--- a/OOP_PracticeQuestions/Java_Object_Oriented_Programming(OOP)_Design_Pattern.pptx
+++ b/OOP_PracticeQuestions/Java_Object_Oriented_Programming(OOP)_Design_Pattern.pptx
@@ -10,6 +10,9 @@
     <p:sldId id="258" r:id="rId4"/>
     <p:sldId id="261" r:id="rId5"/>
     <p:sldId id="260" r:id="rId6"/>
+    <p:sldId id="262" r:id="rId7"/>
+    <p:sldId id="263" r:id="rId8"/>
+    <p:sldId id="264" r:id="rId9"/>
   </p:sldIdLst>
   <p:sldSz cx="12192000" cy="6858000"/>
   <p:notesSz cx="6858000" cy="9144000"/>
@@ -5784,14 +5787,14 @@
           <p:nvPr>
             <p:extLst>
               <p:ext uri="{D42A27DB-BD31-4B8C-83A1-F6EECF244321}">
-                <p14:modId xmlns:p14="http://schemas.microsoft.com/office/powerpoint/2010/main" val="4005917236"/>
+                <p14:modId xmlns:p14="http://schemas.microsoft.com/office/powerpoint/2010/main" val="812976310"/>
               </p:ext>
             </p:extLst>
           </p:nvPr>
         </p:nvGraphicFramePr>
         <p:xfrm>
           <a:off x="7651156" y="235889"/>
-          <a:ext cx="2443747" cy="1454799"/>
+          <a:ext cx="2443747" cy="1609946"/>
         </p:xfrm>
         <a:graphic>
           <a:graphicData uri="http://schemas.openxmlformats.org/drawingml/2006/table">
@@ -5857,6 +5860,53 @@
                     <a:bodyPr/>
                     <a:lstStyle/>
                     <a:p>
+                      <a:pPr marL="0" marR="0" lvl="0" indent="0" algn="l" defTabSz="914400" rtl="0" eaLnBrk="1" fontAlgn="auto" latinLnBrk="0" hangingPunct="1">
+                        <a:lnSpc>
+                          <a:spcPct val="100000"/>
+                        </a:lnSpc>
+                        <a:spcBef>
+                          <a:spcPts val="0"/>
+                        </a:spcBef>
+                        <a:spcAft>
+                          <a:spcPts val="0"/>
+                        </a:spcAft>
+                        <a:buClrTx/>
+                        <a:buSzTx/>
+                        <a:buFontTx/>
+                        <a:buNone/>
+                        <a:tabLst/>
+                        <a:defRPr/>
+                      </a:pPr>
+                      <a:r>
+                        <a:rPr lang="en-US" altLang="zh-TW" dirty="0"/>
+                        <a:t>+</a:t>
+                      </a:r>
+                      <a:r>
+                        <a:rPr lang="en-US" altLang="zh-TW" sz="1800" kern="1200" dirty="0" err="1">
+                          <a:solidFill>
+                            <a:schemeClr val="tx1"/>
+                          </a:solidFill>
+                          <a:effectLst/>
+                          <a:latin typeface="+mn-lt"/>
+                          <a:ea typeface="+mn-ea"/>
+                          <a:cs typeface="+mn-cs"/>
+                        </a:rPr>
+                        <a:t>computeArea</a:t>
+                      </a:r>
+                      <a:r>
+                        <a:rPr lang="en-US" altLang="zh-TW" sz="1800" kern="1200" dirty="0">
+                          <a:solidFill>
+                            <a:schemeClr val="tx1"/>
+                          </a:solidFill>
+                          <a:effectLst/>
+                          <a:latin typeface="+mn-lt"/>
+                          <a:ea typeface="+mn-ea"/>
+                          <a:cs typeface="+mn-cs"/>
+                        </a:rPr>
+                        <a:t>();</a:t>
+                      </a:r>
+                    </a:p>
+                    <a:p>
                       <a:endParaRPr lang="zh-TW" altLang="en-US" dirty="0"/>
                     </a:p>
                   </a:txBody>
@@ -5876,6 +5926,1577 @@
     <p:extLst>
       <p:ext uri="{BB962C8B-B14F-4D97-AF65-F5344CB8AC3E}">
         <p14:creationId xmlns:p14="http://schemas.microsoft.com/office/powerpoint/2010/main" val="3752765098"/>
+      </p:ext>
+    </p:extLst>
+  </p:cSld>
+  <p:clrMapOvr>
+    <a:masterClrMapping/>
+  </p:clrMapOvr>
+</p:sld>
+</file>
+
+<file path=ppt/slides/slide6.xml><?xml version="1.0" encoding="utf-8"?>
+<p:sld xmlns:a="http://schemas.openxmlformats.org/drawingml/2006/main" xmlns:r="http://schemas.openxmlformats.org/officeDocument/2006/relationships" xmlns:p="http://schemas.openxmlformats.org/presentationml/2006/main">
+  <p:cSld>
+    <p:spTree>
+      <p:nvGrpSpPr>
+        <p:cNvPr id="1" name=""/>
+        <p:cNvGrpSpPr/>
+        <p:nvPr/>
+      </p:nvGrpSpPr>
+      <p:grpSpPr>
+        <a:xfrm>
+          <a:off x="0" y="0"/>
+          <a:ext cx="0" cy="0"/>
+          <a:chOff x="0" y="0"/>
+          <a:chExt cx="0" cy="0"/>
+        </a:xfrm>
+      </p:grpSpPr>
+      <p:sp>
+        <p:nvSpPr>
+          <p:cNvPr id="2" name="標題 1">
+            <a:extLst>
+              <a:ext uri="{FF2B5EF4-FFF2-40B4-BE49-F238E27FC236}">
+                <a16:creationId xmlns:a16="http://schemas.microsoft.com/office/drawing/2014/main" id="{6679A3AD-EC52-1AA6-7463-78260D17E647}"/>
+              </a:ext>
+            </a:extLst>
+          </p:cNvPr>
+          <p:cNvSpPr>
+            <a:spLocks noGrp="1"/>
+          </p:cNvSpPr>
+          <p:nvPr>
+            <p:ph type="title"/>
+          </p:nvPr>
+        </p:nvSpPr>
+        <p:spPr/>
+        <p:txBody>
+          <a:bodyPr/>
+          <a:lstStyle/>
+          <a:p>
+            <a:endParaRPr lang="zh-TW" altLang="en-US" dirty="0"/>
+          </a:p>
+        </p:txBody>
+      </p:sp>
+      <p:graphicFrame>
+        <p:nvGraphicFramePr>
+          <p:cNvPr id="4" name="表格 9">
+            <a:extLst>
+              <a:ext uri="{FF2B5EF4-FFF2-40B4-BE49-F238E27FC236}">
+                <a16:creationId xmlns:a16="http://schemas.microsoft.com/office/drawing/2014/main" id="{95C2245C-7E9A-AB5C-4504-53A3596D6BC8}"/>
+              </a:ext>
+            </a:extLst>
+          </p:cNvPr>
+          <p:cNvGraphicFramePr>
+            <a:graphicFrameLocks noGrp="1"/>
+          </p:cNvGraphicFramePr>
+          <p:nvPr>
+            <p:extLst>
+              <p:ext uri="{D42A27DB-BD31-4B8C-83A1-F6EECF244321}">
+                <p14:modId xmlns:p14="http://schemas.microsoft.com/office/powerpoint/2010/main" val="595109500"/>
+              </p:ext>
+            </p:extLst>
+          </p:nvPr>
+        </p:nvGraphicFramePr>
+        <p:xfrm>
+          <a:off x="4803453" y="1825625"/>
+          <a:ext cx="2443747" cy="1609946"/>
+        </p:xfrm>
+        <a:graphic>
+          <a:graphicData uri="http://schemas.openxmlformats.org/drawingml/2006/table">
+            <a:tbl>
+              <a:tblPr firstRow="1" bandRow="1">
+                <a:tableStyleId>{ED083AE6-46FA-4A59-8FB0-9F97EB10719F}</a:tableStyleId>
+              </a:tblPr>
+              <a:tblGrid>
+                <a:gridCol w="2443747">
+                  <a:extLst>
+                    <a:ext uri="{9D8B030D-6E8A-4147-A177-3AD203B41FA5}">
+                      <a16:colId xmlns:a16="http://schemas.microsoft.com/office/drawing/2014/main" val="868113736"/>
+                    </a:ext>
+                  </a:extLst>
+                </a:gridCol>
+              </a:tblGrid>
+              <a:tr h="484933">
+                <a:tc>
+                  <a:txBody>
+                    <a:bodyPr/>
+                    <a:lstStyle/>
+                    <a:p>
+                      <a:pPr algn="ctr"/>
+                      <a:r>
+                        <a:rPr lang="en-US" altLang="zh-TW" b="1" i="1" dirty="0"/>
+                        <a:t>Shape</a:t>
+                      </a:r>
+                      <a:endParaRPr lang="zh-TW" altLang="en-US" b="1" i="1" dirty="0"/>
+                    </a:p>
+                  </a:txBody>
+                  <a:tcPr/>
+                </a:tc>
+                <a:extLst>
+                  <a:ext uri="{0D108BD9-81ED-4DB2-BD59-A6C34878D82A}">
+                    <a16:rowId xmlns:a16="http://schemas.microsoft.com/office/drawing/2014/main" val="1836207730"/>
+                  </a:ext>
+                </a:extLst>
+              </a:tr>
+              <a:tr h="484933">
+                <a:tc>
+                  <a:txBody>
+                    <a:bodyPr/>
+                    <a:lstStyle/>
+                    <a:p>
+                      <a:r>
+                        <a:rPr lang="en-US" altLang="zh-TW" dirty="0"/>
+                        <a:t>#name:string</a:t>
+                      </a:r>
+                      <a:endParaRPr lang="zh-TW" altLang="en-US" dirty="0"/>
+                    </a:p>
+                  </a:txBody>
+                  <a:tcPr/>
+                </a:tc>
+                <a:extLst>
+                  <a:ext uri="{0D108BD9-81ED-4DB2-BD59-A6C34878D82A}">
+                    <a16:rowId xmlns:a16="http://schemas.microsoft.com/office/drawing/2014/main" val="3955927769"/>
+                  </a:ext>
+                </a:extLst>
+              </a:tr>
+              <a:tr h="484933">
+                <a:tc>
+                  <a:txBody>
+                    <a:bodyPr/>
+                    <a:lstStyle/>
+                    <a:p>
+                      <a:pPr marL="0" marR="0" lvl="0" indent="0" algn="l" defTabSz="914400" rtl="0" eaLnBrk="1" fontAlgn="auto" latinLnBrk="0" hangingPunct="1">
+                        <a:lnSpc>
+                          <a:spcPct val="100000"/>
+                        </a:lnSpc>
+                        <a:spcBef>
+                          <a:spcPts val="0"/>
+                        </a:spcBef>
+                        <a:spcAft>
+                          <a:spcPts val="0"/>
+                        </a:spcAft>
+                        <a:buClrTx/>
+                        <a:buSzTx/>
+                        <a:buFontTx/>
+                        <a:buNone/>
+                        <a:tabLst/>
+                        <a:defRPr/>
+                      </a:pPr>
+                      <a:r>
+                        <a:rPr lang="en-US" altLang="zh-TW" dirty="0"/>
+                        <a:t>+</a:t>
+                      </a:r>
+                      <a:r>
+                        <a:rPr lang="en-US" altLang="zh-TW" sz="1800" kern="1200" dirty="0" err="1">
+                          <a:solidFill>
+                            <a:schemeClr val="tx1"/>
+                          </a:solidFill>
+                          <a:effectLst/>
+                          <a:latin typeface="+mn-lt"/>
+                          <a:ea typeface="+mn-ea"/>
+                          <a:cs typeface="+mn-cs"/>
+                        </a:rPr>
+                        <a:t>computeArea</a:t>
+                      </a:r>
+                      <a:r>
+                        <a:rPr lang="en-US" altLang="zh-TW" sz="1800" kern="1200" dirty="0">
+                          <a:solidFill>
+                            <a:schemeClr val="tx1"/>
+                          </a:solidFill>
+                          <a:effectLst/>
+                          <a:latin typeface="+mn-lt"/>
+                          <a:ea typeface="+mn-ea"/>
+                          <a:cs typeface="+mn-cs"/>
+                        </a:rPr>
+                        <a:t>();</a:t>
+                      </a:r>
+                    </a:p>
+                    <a:p>
+                      <a:endParaRPr lang="zh-TW" altLang="en-US" dirty="0"/>
+                    </a:p>
+                  </a:txBody>
+                  <a:tcPr/>
+                </a:tc>
+                <a:extLst>
+                  <a:ext uri="{0D108BD9-81ED-4DB2-BD59-A6C34878D82A}">
+                    <a16:rowId xmlns:a16="http://schemas.microsoft.com/office/drawing/2014/main" val="2763096056"/>
+                  </a:ext>
+                </a:extLst>
+              </a:tr>
+            </a:tbl>
+          </a:graphicData>
+        </a:graphic>
+      </p:graphicFrame>
+      <p:graphicFrame>
+        <p:nvGraphicFramePr>
+          <p:cNvPr id="5" name="表格 9">
+            <a:extLst>
+              <a:ext uri="{FF2B5EF4-FFF2-40B4-BE49-F238E27FC236}">
+                <a16:creationId xmlns:a16="http://schemas.microsoft.com/office/drawing/2014/main" id="{43CEC022-DBC7-6F8E-70B3-BF8C09A20C67}"/>
+              </a:ext>
+            </a:extLst>
+          </p:cNvPr>
+          <p:cNvGraphicFramePr>
+            <a:graphicFrameLocks noGrp="1"/>
+          </p:cNvGraphicFramePr>
+          <p:nvPr>
+            <p:extLst>
+              <p:ext uri="{D42A27DB-BD31-4B8C-83A1-F6EECF244321}">
+                <p14:modId xmlns:p14="http://schemas.microsoft.com/office/powerpoint/2010/main" val="1177577874"/>
+              </p:ext>
+            </p:extLst>
+          </p:nvPr>
+        </p:nvGraphicFramePr>
+        <p:xfrm>
+          <a:off x="838200" y="4616723"/>
+          <a:ext cx="2443747" cy="1609946"/>
+        </p:xfrm>
+        <a:graphic>
+          <a:graphicData uri="http://schemas.openxmlformats.org/drawingml/2006/table">
+            <a:tbl>
+              <a:tblPr firstRow="1" bandRow="1">
+                <a:tableStyleId>{ED083AE6-46FA-4A59-8FB0-9F97EB10719F}</a:tableStyleId>
+              </a:tblPr>
+              <a:tblGrid>
+                <a:gridCol w="2443747">
+                  <a:extLst>
+                    <a:ext uri="{9D8B030D-6E8A-4147-A177-3AD203B41FA5}">
+                      <a16:colId xmlns:a16="http://schemas.microsoft.com/office/drawing/2014/main" val="868113736"/>
+                    </a:ext>
+                  </a:extLst>
+                </a:gridCol>
+              </a:tblGrid>
+              <a:tr h="484933">
+                <a:tc>
+                  <a:txBody>
+                    <a:bodyPr/>
+                    <a:lstStyle/>
+                    <a:p>
+                      <a:pPr marL="0" marR="0" lvl="0" indent="0" algn="ctr" defTabSz="914400" rtl="0" eaLnBrk="1" fontAlgn="auto" latinLnBrk="0" hangingPunct="1">
+                        <a:lnSpc>
+                          <a:spcPct val="100000"/>
+                        </a:lnSpc>
+                        <a:spcBef>
+                          <a:spcPts val="0"/>
+                        </a:spcBef>
+                        <a:spcAft>
+                          <a:spcPts val="0"/>
+                        </a:spcAft>
+                        <a:buClrTx/>
+                        <a:buSzTx/>
+                        <a:buFontTx/>
+                        <a:buNone/>
+                        <a:tabLst/>
+                        <a:defRPr/>
+                      </a:pPr>
+                      <a:r>
+                        <a:rPr lang="en-US" altLang="zh-TW" sz="1800" b="1" u="none" kern="1200" dirty="0">
+                          <a:solidFill>
+                            <a:schemeClr val="tx1"/>
+                          </a:solidFill>
+                          <a:effectLst/>
+                          <a:latin typeface="+mn-lt"/>
+                          <a:ea typeface="+mn-ea"/>
+                          <a:cs typeface="+mn-cs"/>
+                        </a:rPr>
+                        <a:t>Circle</a:t>
+                      </a:r>
+                    </a:p>
+                  </a:txBody>
+                  <a:tcPr/>
+                </a:tc>
+                <a:extLst>
+                  <a:ext uri="{0D108BD9-81ED-4DB2-BD59-A6C34878D82A}">
+                    <a16:rowId xmlns:a16="http://schemas.microsoft.com/office/drawing/2014/main" val="1836207730"/>
+                  </a:ext>
+                </a:extLst>
+              </a:tr>
+              <a:tr h="484933">
+                <a:tc>
+                  <a:txBody>
+                    <a:bodyPr/>
+                    <a:lstStyle/>
+                    <a:p>
+                      <a:endParaRPr lang="zh-TW" altLang="en-US" dirty="0"/>
+                    </a:p>
+                  </a:txBody>
+                  <a:tcPr/>
+                </a:tc>
+                <a:extLst>
+                  <a:ext uri="{0D108BD9-81ED-4DB2-BD59-A6C34878D82A}">
+                    <a16:rowId xmlns:a16="http://schemas.microsoft.com/office/drawing/2014/main" val="3955927769"/>
+                  </a:ext>
+                </a:extLst>
+              </a:tr>
+              <a:tr h="484933">
+                <a:tc>
+                  <a:txBody>
+                    <a:bodyPr/>
+                    <a:lstStyle/>
+                    <a:p>
+                      <a:pPr marL="0" marR="0" lvl="0" indent="0" algn="l" defTabSz="914400" rtl="0" eaLnBrk="1" fontAlgn="auto" latinLnBrk="0" hangingPunct="1">
+                        <a:lnSpc>
+                          <a:spcPct val="100000"/>
+                        </a:lnSpc>
+                        <a:spcBef>
+                          <a:spcPts val="0"/>
+                        </a:spcBef>
+                        <a:spcAft>
+                          <a:spcPts val="0"/>
+                        </a:spcAft>
+                        <a:buClrTx/>
+                        <a:buSzTx/>
+                        <a:buFontTx/>
+                        <a:buNone/>
+                        <a:tabLst/>
+                        <a:defRPr/>
+                      </a:pPr>
+                      <a:r>
+                        <a:rPr lang="en-US" altLang="zh-TW" dirty="0"/>
+                        <a:t>+</a:t>
+                      </a:r>
+                      <a:r>
+                        <a:rPr lang="en-US" altLang="zh-TW" sz="1800" kern="1200" dirty="0" err="1">
+                          <a:solidFill>
+                            <a:schemeClr val="tx1"/>
+                          </a:solidFill>
+                          <a:effectLst/>
+                          <a:latin typeface="+mn-lt"/>
+                          <a:ea typeface="+mn-ea"/>
+                          <a:cs typeface="+mn-cs"/>
+                        </a:rPr>
+                        <a:t>computeArea</a:t>
+                      </a:r>
+                      <a:r>
+                        <a:rPr lang="en-US" altLang="zh-TW" sz="1800" kern="1200" dirty="0">
+                          <a:solidFill>
+                            <a:schemeClr val="tx1"/>
+                          </a:solidFill>
+                          <a:effectLst/>
+                          <a:latin typeface="+mn-lt"/>
+                          <a:ea typeface="+mn-ea"/>
+                          <a:cs typeface="+mn-cs"/>
+                        </a:rPr>
+                        <a:t>();</a:t>
+                      </a:r>
+                    </a:p>
+                    <a:p>
+                      <a:endParaRPr lang="zh-TW" altLang="en-US" dirty="0"/>
+                    </a:p>
+                  </a:txBody>
+                  <a:tcPr/>
+                </a:tc>
+                <a:extLst>
+                  <a:ext uri="{0D108BD9-81ED-4DB2-BD59-A6C34878D82A}">
+                    <a16:rowId xmlns:a16="http://schemas.microsoft.com/office/drawing/2014/main" val="2763096056"/>
+                  </a:ext>
+                </a:extLst>
+              </a:tr>
+            </a:tbl>
+          </a:graphicData>
+        </a:graphic>
+      </p:graphicFrame>
+      <p:graphicFrame>
+        <p:nvGraphicFramePr>
+          <p:cNvPr id="6" name="表格 9">
+            <a:extLst>
+              <a:ext uri="{FF2B5EF4-FFF2-40B4-BE49-F238E27FC236}">
+                <a16:creationId xmlns:a16="http://schemas.microsoft.com/office/drawing/2014/main" id="{E0574B1A-26E6-30B7-FBFF-37DDBFE71DEB}"/>
+              </a:ext>
+            </a:extLst>
+          </p:cNvPr>
+          <p:cNvGraphicFramePr>
+            <a:graphicFrameLocks noGrp="1"/>
+          </p:cNvGraphicFramePr>
+          <p:nvPr>
+            <p:extLst>
+              <p:ext uri="{D42A27DB-BD31-4B8C-83A1-F6EECF244321}">
+                <p14:modId xmlns:p14="http://schemas.microsoft.com/office/powerpoint/2010/main" val="2749956073"/>
+              </p:ext>
+            </p:extLst>
+          </p:nvPr>
+        </p:nvGraphicFramePr>
+        <p:xfrm>
+          <a:off x="4803453" y="4616723"/>
+          <a:ext cx="2443747" cy="1490773"/>
+        </p:xfrm>
+        <a:graphic>
+          <a:graphicData uri="http://schemas.openxmlformats.org/drawingml/2006/table">
+            <a:tbl>
+              <a:tblPr firstRow="1" bandRow="1">
+                <a:tableStyleId>{ED083AE6-46FA-4A59-8FB0-9F97EB10719F}</a:tableStyleId>
+              </a:tblPr>
+              <a:tblGrid>
+                <a:gridCol w="2443747">
+                  <a:extLst>
+                    <a:ext uri="{9D8B030D-6E8A-4147-A177-3AD203B41FA5}">
+                      <a16:colId xmlns:a16="http://schemas.microsoft.com/office/drawing/2014/main" val="868113736"/>
+                    </a:ext>
+                  </a:extLst>
+                </a:gridCol>
+              </a:tblGrid>
+              <a:tr h="484933">
+                <a:tc>
+                  <a:txBody>
+                    <a:bodyPr/>
+                    <a:lstStyle/>
+                    <a:p>
+                      <a:pPr marL="0" marR="0" lvl="0" indent="0" algn="ctr" defTabSz="914400" rtl="0" eaLnBrk="1" fontAlgn="auto" latinLnBrk="0" hangingPunct="1">
+                        <a:lnSpc>
+                          <a:spcPct val="100000"/>
+                        </a:lnSpc>
+                        <a:spcBef>
+                          <a:spcPts val="0"/>
+                        </a:spcBef>
+                        <a:spcAft>
+                          <a:spcPts val="0"/>
+                        </a:spcAft>
+                        <a:buClrTx/>
+                        <a:buSzTx/>
+                        <a:buFontTx/>
+                        <a:buNone/>
+                        <a:tabLst/>
+                        <a:defRPr/>
+                      </a:pPr>
+                      <a:r>
+                        <a:rPr lang="en-US" altLang="zh-TW" sz="1800" b="1" kern="1200" dirty="0">
+                          <a:solidFill>
+                            <a:schemeClr val="tx1"/>
+                          </a:solidFill>
+                          <a:effectLst/>
+                          <a:latin typeface="+mn-lt"/>
+                          <a:ea typeface="+mn-ea"/>
+                          <a:cs typeface="+mn-cs"/>
+                        </a:rPr>
+                        <a:t>Rectangle</a:t>
+                      </a:r>
+                    </a:p>
+                  </a:txBody>
+                  <a:tcPr/>
+                </a:tc>
+                <a:extLst>
+                  <a:ext uri="{0D108BD9-81ED-4DB2-BD59-A6C34878D82A}">
+                    <a16:rowId xmlns:a16="http://schemas.microsoft.com/office/drawing/2014/main" val="1836207730"/>
+                  </a:ext>
+                </a:extLst>
+              </a:tr>
+              <a:tr h="0">
+                <a:tc>
+                  <a:txBody>
+                    <a:bodyPr/>
+                    <a:lstStyle/>
+                    <a:p>
+                      <a:endParaRPr lang="zh-TW" altLang="en-US" dirty="0"/>
+                    </a:p>
+                  </a:txBody>
+                  <a:tcPr/>
+                </a:tc>
+                <a:extLst>
+                  <a:ext uri="{0D108BD9-81ED-4DB2-BD59-A6C34878D82A}">
+                    <a16:rowId xmlns:a16="http://schemas.microsoft.com/office/drawing/2014/main" val="3955927769"/>
+                  </a:ext>
+                </a:extLst>
+              </a:tr>
+              <a:tr h="484933">
+                <a:tc>
+                  <a:txBody>
+                    <a:bodyPr/>
+                    <a:lstStyle/>
+                    <a:p>
+                      <a:pPr marL="0" marR="0" lvl="0" indent="0" algn="l" defTabSz="914400" rtl="0" eaLnBrk="1" fontAlgn="auto" latinLnBrk="0" hangingPunct="1">
+                        <a:lnSpc>
+                          <a:spcPct val="100000"/>
+                        </a:lnSpc>
+                        <a:spcBef>
+                          <a:spcPts val="0"/>
+                        </a:spcBef>
+                        <a:spcAft>
+                          <a:spcPts val="0"/>
+                        </a:spcAft>
+                        <a:buClrTx/>
+                        <a:buSzTx/>
+                        <a:buFontTx/>
+                        <a:buNone/>
+                        <a:tabLst/>
+                        <a:defRPr/>
+                      </a:pPr>
+                      <a:r>
+                        <a:rPr lang="en-US" altLang="zh-TW" dirty="0"/>
+                        <a:t>+</a:t>
+                      </a:r>
+                      <a:r>
+                        <a:rPr lang="en-US" altLang="zh-TW" sz="1800" kern="1200" dirty="0" err="1">
+                          <a:solidFill>
+                            <a:schemeClr val="tx1"/>
+                          </a:solidFill>
+                          <a:effectLst/>
+                          <a:latin typeface="+mn-lt"/>
+                          <a:ea typeface="+mn-ea"/>
+                          <a:cs typeface="+mn-cs"/>
+                        </a:rPr>
+                        <a:t>computeArea</a:t>
+                      </a:r>
+                      <a:r>
+                        <a:rPr lang="en-US" altLang="zh-TW" sz="1800" kern="1200" dirty="0">
+                          <a:solidFill>
+                            <a:schemeClr val="tx1"/>
+                          </a:solidFill>
+                          <a:effectLst/>
+                          <a:latin typeface="+mn-lt"/>
+                          <a:ea typeface="+mn-ea"/>
+                          <a:cs typeface="+mn-cs"/>
+                        </a:rPr>
+                        <a:t>();</a:t>
+                      </a:r>
+                    </a:p>
+                    <a:p>
+                      <a:endParaRPr lang="zh-TW" altLang="en-US" dirty="0"/>
+                    </a:p>
+                  </a:txBody>
+                  <a:tcPr/>
+                </a:tc>
+                <a:extLst>
+                  <a:ext uri="{0D108BD9-81ED-4DB2-BD59-A6C34878D82A}">
+                    <a16:rowId xmlns:a16="http://schemas.microsoft.com/office/drawing/2014/main" val="2763096056"/>
+                  </a:ext>
+                </a:extLst>
+              </a:tr>
+            </a:tbl>
+          </a:graphicData>
+        </a:graphic>
+      </p:graphicFrame>
+      <p:graphicFrame>
+        <p:nvGraphicFramePr>
+          <p:cNvPr id="7" name="表格 9">
+            <a:extLst>
+              <a:ext uri="{FF2B5EF4-FFF2-40B4-BE49-F238E27FC236}">
+                <a16:creationId xmlns:a16="http://schemas.microsoft.com/office/drawing/2014/main" id="{CACB2517-2EC6-8F2E-156D-28603C5DE7A4}"/>
+              </a:ext>
+            </a:extLst>
+          </p:cNvPr>
+          <p:cNvGraphicFramePr>
+            <a:graphicFrameLocks noGrp="1"/>
+          </p:cNvGraphicFramePr>
+          <p:nvPr>
+            <p:extLst>
+              <p:ext uri="{D42A27DB-BD31-4B8C-83A1-F6EECF244321}">
+                <p14:modId xmlns:p14="http://schemas.microsoft.com/office/powerpoint/2010/main" val="3913372307"/>
+              </p:ext>
+            </p:extLst>
+          </p:nvPr>
+        </p:nvGraphicFramePr>
+        <p:xfrm>
+          <a:off x="8768706" y="4616723"/>
+          <a:ext cx="2443747" cy="1609946"/>
+        </p:xfrm>
+        <a:graphic>
+          <a:graphicData uri="http://schemas.openxmlformats.org/drawingml/2006/table">
+            <a:tbl>
+              <a:tblPr firstRow="1" bandRow="1">
+                <a:tableStyleId>{ED083AE6-46FA-4A59-8FB0-9F97EB10719F}</a:tableStyleId>
+              </a:tblPr>
+              <a:tblGrid>
+                <a:gridCol w="2443747">
+                  <a:extLst>
+                    <a:ext uri="{9D8B030D-6E8A-4147-A177-3AD203B41FA5}">
+                      <a16:colId xmlns:a16="http://schemas.microsoft.com/office/drawing/2014/main" val="868113736"/>
+                    </a:ext>
+                  </a:extLst>
+                </a:gridCol>
+              </a:tblGrid>
+              <a:tr h="484933">
+                <a:tc>
+                  <a:txBody>
+                    <a:bodyPr/>
+                    <a:lstStyle/>
+                    <a:p>
+                      <a:pPr marL="0" marR="0" lvl="0" indent="0" algn="ctr" defTabSz="914400" rtl="0" eaLnBrk="1" fontAlgn="auto" latinLnBrk="0" hangingPunct="1">
+                        <a:lnSpc>
+                          <a:spcPct val="100000"/>
+                        </a:lnSpc>
+                        <a:spcBef>
+                          <a:spcPts val="0"/>
+                        </a:spcBef>
+                        <a:spcAft>
+                          <a:spcPts val="0"/>
+                        </a:spcAft>
+                        <a:buClrTx/>
+                        <a:buSzTx/>
+                        <a:buFontTx/>
+                        <a:buNone/>
+                        <a:tabLst/>
+                        <a:defRPr/>
+                      </a:pPr>
+                      <a:r>
+                        <a:rPr lang="en-US" altLang="zh-TW" sz="1800" b="1" kern="1200" dirty="0">
+                          <a:solidFill>
+                            <a:schemeClr val="tx1"/>
+                          </a:solidFill>
+                          <a:effectLst/>
+                          <a:latin typeface="+mn-lt"/>
+                          <a:ea typeface="+mn-ea"/>
+                          <a:cs typeface="+mn-cs"/>
+                        </a:rPr>
+                        <a:t>Triangle</a:t>
+                      </a:r>
+                    </a:p>
+                  </a:txBody>
+                  <a:tcPr/>
+                </a:tc>
+                <a:extLst>
+                  <a:ext uri="{0D108BD9-81ED-4DB2-BD59-A6C34878D82A}">
+                    <a16:rowId xmlns:a16="http://schemas.microsoft.com/office/drawing/2014/main" val="1836207730"/>
+                  </a:ext>
+                </a:extLst>
+              </a:tr>
+              <a:tr h="484933">
+                <a:tc>
+                  <a:txBody>
+                    <a:bodyPr/>
+                    <a:lstStyle/>
+                    <a:p>
+                      <a:endParaRPr lang="zh-TW" altLang="en-US" dirty="0"/>
+                    </a:p>
+                  </a:txBody>
+                  <a:tcPr/>
+                </a:tc>
+                <a:extLst>
+                  <a:ext uri="{0D108BD9-81ED-4DB2-BD59-A6C34878D82A}">
+                    <a16:rowId xmlns:a16="http://schemas.microsoft.com/office/drawing/2014/main" val="3955927769"/>
+                  </a:ext>
+                </a:extLst>
+              </a:tr>
+              <a:tr h="484933">
+                <a:tc>
+                  <a:txBody>
+                    <a:bodyPr/>
+                    <a:lstStyle/>
+                    <a:p>
+                      <a:pPr marL="0" marR="0" lvl="0" indent="0" algn="l" defTabSz="914400" rtl="0" eaLnBrk="1" fontAlgn="auto" latinLnBrk="0" hangingPunct="1">
+                        <a:lnSpc>
+                          <a:spcPct val="100000"/>
+                        </a:lnSpc>
+                        <a:spcBef>
+                          <a:spcPts val="0"/>
+                        </a:spcBef>
+                        <a:spcAft>
+                          <a:spcPts val="0"/>
+                        </a:spcAft>
+                        <a:buClrTx/>
+                        <a:buSzTx/>
+                        <a:buFontTx/>
+                        <a:buNone/>
+                        <a:tabLst/>
+                        <a:defRPr/>
+                      </a:pPr>
+                      <a:r>
+                        <a:rPr lang="en-US" altLang="zh-TW" dirty="0"/>
+                        <a:t>+</a:t>
+                      </a:r>
+                      <a:r>
+                        <a:rPr lang="en-US" altLang="zh-TW" sz="1800" kern="1200" dirty="0" err="1">
+                          <a:solidFill>
+                            <a:schemeClr val="tx1"/>
+                          </a:solidFill>
+                          <a:effectLst/>
+                          <a:latin typeface="+mn-lt"/>
+                          <a:ea typeface="+mn-ea"/>
+                          <a:cs typeface="+mn-cs"/>
+                        </a:rPr>
+                        <a:t>computeArea</a:t>
+                      </a:r>
+                      <a:r>
+                        <a:rPr lang="en-US" altLang="zh-TW" sz="1800" kern="1200" dirty="0">
+                          <a:solidFill>
+                            <a:schemeClr val="tx1"/>
+                          </a:solidFill>
+                          <a:effectLst/>
+                          <a:latin typeface="+mn-lt"/>
+                          <a:ea typeface="+mn-ea"/>
+                          <a:cs typeface="+mn-cs"/>
+                        </a:rPr>
+                        <a:t>();</a:t>
+                      </a:r>
+                    </a:p>
+                    <a:p>
+                      <a:endParaRPr lang="zh-TW" altLang="en-US" dirty="0"/>
+                    </a:p>
+                  </a:txBody>
+                  <a:tcPr/>
+                </a:tc>
+                <a:extLst>
+                  <a:ext uri="{0D108BD9-81ED-4DB2-BD59-A6C34878D82A}">
+                    <a16:rowId xmlns:a16="http://schemas.microsoft.com/office/drawing/2014/main" val="2763096056"/>
+                  </a:ext>
+                </a:extLst>
+              </a:tr>
+            </a:tbl>
+          </a:graphicData>
+        </a:graphic>
+      </p:graphicFrame>
+      <p:cxnSp>
+        <p:nvCxnSpPr>
+          <p:cNvPr id="9" name="直線單箭頭接點 8">
+            <a:extLst>
+              <a:ext uri="{FF2B5EF4-FFF2-40B4-BE49-F238E27FC236}">
+                <a16:creationId xmlns:a16="http://schemas.microsoft.com/office/drawing/2014/main" id="{7411DC9E-F77A-BFAF-CF5A-D87410B1F8C2}"/>
+              </a:ext>
+            </a:extLst>
+          </p:cNvPr>
+          <p:cNvCxnSpPr>
+            <a:endCxn id="4" idx="2"/>
+          </p:cNvCxnSpPr>
+          <p:nvPr/>
+        </p:nvCxnSpPr>
+        <p:spPr>
+          <a:xfrm flipV="1">
+            <a:off x="2072640" y="3435571"/>
+            <a:ext cx="3952686" cy="1181152"/>
+          </a:xfrm>
+          <a:prstGeom prst="straightConnector1">
+            <a:avLst/>
+          </a:prstGeom>
+          <a:ln>
+            <a:tailEnd type="triangle"/>
+          </a:ln>
+        </p:spPr>
+        <p:style>
+          <a:lnRef idx="1">
+            <a:schemeClr val="dk1"/>
+          </a:lnRef>
+          <a:fillRef idx="0">
+            <a:schemeClr val="dk1"/>
+          </a:fillRef>
+          <a:effectRef idx="0">
+            <a:schemeClr val="dk1"/>
+          </a:effectRef>
+          <a:fontRef idx="minor">
+            <a:schemeClr val="tx1"/>
+          </a:fontRef>
+        </p:style>
+      </p:cxnSp>
+      <p:cxnSp>
+        <p:nvCxnSpPr>
+          <p:cNvPr id="11" name="直線單箭頭接點 10">
+            <a:extLst>
+              <a:ext uri="{FF2B5EF4-FFF2-40B4-BE49-F238E27FC236}">
+                <a16:creationId xmlns:a16="http://schemas.microsoft.com/office/drawing/2014/main" id="{91BDA97C-205C-7A4C-9076-A7450C8F8C2B}"/>
+              </a:ext>
+            </a:extLst>
+          </p:cNvPr>
+          <p:cNvCxnSpPr>
+            <a:endCxn id="4" idx="2"/>
+          </p:cNvCxnSpPr>
+          <p:nvPr/>
+        </p:nvCxnSpPr>
+        <p:spPr>
+          <a:xfrm flipV="1">
+            <a:off x="6025326" y="3435571"/>
+            <a:ext cx="0" cy="1181152"/>
+          </a:xfrm>
+          <a:prstGeom prst="straightConnector1">
+            <a:avLst/>
+          </a:prstGeom>
+          <a:ln>
+            <a:tailEnd type="triangle"/>
+          </a:ln>
+        </p:spPr>
+        <p:style>
+          <a:lnRef idx="1">
+            <a:schemeClr val="dk1"/>
+          </a:lnRef>
+          <a:fillRef idx="0">
+            <a:schemeClr val="dk1"/>
+          </a:fillRef>
+          <a:effectRef idx="0">
+            <a:schemeClr val="dk1"/>
+          </a:effectRef>
+          <a:fontRef idx="minor">
+            <a:schemeClr val="tx1"/>
+          </a:fontRef>
+        </p:style>
+      </p:cxnSp>
+      <p:cxnSp>
+        <p:nvCxnSpPr>
+          <p:cNvPr id="13" name="直線單箭頭接點 12">
+            <a:extLst>
+              <a:ext uri="{FF2B5EF4-FFF2-40B4-BE49-F238E27FC236}">
+                <a16:creationId xmlns:a16="http://schemas.microsoft.com/office/drawing/2014/main" id="{9019E050-CFE3-4788-E876-26E60B556F18}"/>
+              </a:ext>
+            </a:extLst>
+          </p:cNvPr>
+          <p:cNvCxnSpPr>
+            <a:endCxn id="4" idx="2"/>
+          </p:cNvCxnSpPr>
+          <p:nvPr/>
+        </p:nvCxnSpPr>
+        <p:spPr>
+          <a:xfrm flipH="1" flipV="1">
+            <a:off x="6025326" y="3435571"/>
+            <a:ext cx="3893737" cy="1181152"/>
+          </a:xfrm>
+          <a:prstGeom prst="straightConnector1">
+            <a:avLst/>
+          </a:prstGeom>
+          <a:ln>
+            <a:tailEnd type="triangle"/>
+          </a:ln>
+        </p:spPr>
+        <p:style>
+          <a:lnRef idx="1">
+            <a:schemeClr val="dk1"/>
+          </a:lnRef>
+          <a:fillRef idx="0">
+            <a:schemeClr val="dk1"/>
+          </a:fillRef>
+          <a:effectRef idx="0">
+            <a:schemeClr val="dk1"/>
+          </a:effectRef>
+          <a:fontRef idx="minor">
+            <a:schemeClr val="tx1"/>
+          </a:fontRef>
+        </p:style>
+      </p:cxnSp>
+      <p:sp>
+        <p:nvSpPr>
+          <p:cNvPr id="14" name="矩形 13">
+            <a:extLst>
+              <a:ext uri="{FF2B5EF4-FFF2-40B4-BE49-F238E27FC236}">
+                <a16:creationId xmlns:a16="http://schemas.microsoft.com/office/drawing/2014/main" id="{767AF552-844D-8A0E-4EBB-05A0DF02B27F}"/>
+              </a:ext>
+            </a:extLst>
+          </p:cNvPr>
+          <p:cNvSpPr/>
+          <p:nvPr/>
+        </p:nvSpPr>
+        <p:spPr>
+          <a:xfrm>
+            <a:off x="7824765" y="3791000"/>
+            <a:ext cx="799406" cy="461665"/>
+          </a:xfrm>
+          <a:prstGeom prst="rect">
+            <a:avLst/>
+          </a:prstGeom>
+          <a:solidFill>
+            <a:schemeClr val="bg1"/>
+          </a:solidFill>
+          <a:ln>
+            <a:solidFill>
+              <a:schemeClr val="tx1"/>
+            </a:solidFill>
+          </a:ln>
+        </p:spPr>
+        <p:txBody>
+          <a:bodyPr wrap="square" lIns="91440" tIns="45720" rIns="91440" bIns="45720">
+            <a:spAutoFit/>
+          </a:bodyPr>
+          <a:lstStyle/>
+          <a:p>
+            <a:pPr algn="ctr"/>
+            <a:r>
+              <a:rPr lang="zh-TW" altLang="en-US" sz="2400" b="0" cap="none" spc="0" dirty="0">
+                <a:ln w="0"/>
+                <a:solidFill>
+                  <a:schemeClr val="tx1"/>
+                </a:solidFill>
+                <a:effectLst>
+                  <a:outerShdw blurRad="38100" dist="19050" dir="2700000" algn="tl" rotWithShape="0">
+                    <a:schemeClr val="dk1">
+                      <a:alpha val="40000"/>
+                    </a:schemeClr>
+                  </a:outerShdw>
+                </a:effectLst>
+              </a:rPr>
+              <a:t>繼承</a:t>
+            </a:r>
+          </a:p>
+        </p:txBody>
+      </p:sp>
+      <p:sp>
+        <p:nvSpPr>
+          <p:cNvPr id="15" name="文字方塊 14">
+            <a:extLst>
+              <a:ext uri="{FF2B5EF4-FFF2-40B4-BE49-F238E27FC236}">
+                <a16:creationId xmlns:a16="http://schemas.microsoft.com/office/drawing/2014/main" id="{94DFB0FC-1596-FDD6-7F70-A37C0F2A7AA0}"/>
+              </a:ext>
+            </a:extLst>
+          </p:cNvPr>
+          <p:cNvSpPr txBox="1"/>
+          <p:nvPr/>
+        </p:nvSpPr>
+        <p:spPr>
+          <a:xfrm>
+            <a:off x="8624171" y="3883333"/>
+            <a:ext cx="2729629" cy="369332"/>
+          </a:xfrm>
+          <a:prstGeom prst="rect">
+            <a:avLst/>
+          </a:prstGeom>
+          <a:noFill/>
+        </p:spPr>
+        <p:txBody>
+          <a:bodyPr wrap="square" rtlCol="0">
+            <a:spAutoFit/>
+          </a:bodyPr>
+          <a:lstStyle/>
+          <a:p>
+            <a:r>
+              <a:rPr lang="zh-TW" altLang="en-US" dirty="0">
+                <a:highlight>
+                  <a:srgbClr val="FF0000"/>
+                </a:highlight>
+              </a:rPr>
+              <a:t>承接父類別的屬性跟函數</a:t>
+            </a:r>
+          </a:p>
+        </p:txBody>
+      </p:sp>
+      <p:sp>
+        <p:nvSpPr>
+          <p:cNvPr id="16" name="矩形 15">
+            <a:extLst>
+              <a:ext uri="{FF2B5EF4-FFF2-40B4-BE49-F238E27FC236}">
+                <a16:creationId xmlns:a16="http://schemas.microsoft.com/office/drawing/2014/main" id="{0993AB4D-70B1-9E3E-751A-25094C1CD8F5}"/>
+              </a:ext>
+            </a:extLst>
+          </p:cNvPr>
+          <p:cNvSpPr/>
+          <p:nvPr/>
+        </p:nvSpPr>
+        <p:spPr>
+          <a:xfrm>
+            <a:off x="5696297" y="3791000"/>
+            <a:ext cx="799406" cy="461665"/>
+          </a:xfrm>
+          <a:prstGeom prst="rect">
+            <a:avLst/>
+          </a:prstGeom>
+          <a:solidFill>
+            <a:schemeClr val="bg1"/>
+          </a:solidFill>
+          <a:ln>
+            <a:solidFill>
+              <a:schemeClr val="tx1"/>
+            </a:solidFill>
+          </a:ln>
+        </p:spPr>
+        <p:txBody>
+          <a:bodyPr wrap="square" lIns="91440" tIns="45720" rIns="91440" bIns="45720">
+            <a:spAutoFit/>
+          </a:bodyPr>
+          <a:lstStyle/>
+          <a:p>
+            <a:pPr algn="ctr"/>
+            <a:r>
+              <a:rPr lang="zh-TW" altLang="en-US" sz="2400" b="0" cap="none" spc="0" dirty="0">
+                <a:ln w="0"/>
+                <a:solidFill>
+                  <a:schemeClr val="tx1"/>
+                </a:solidFill>
+                <a:effectLst>
+                  <a:outerShdw blurRad="38100" dist="19050" dir="2700000" algn="tl" rotWithShape="0">
+                    <a:schemeClr val="dk1">
+                      <a:alpha val="40000"/>
+                    </a:schemeClr>
+                  </a:outerShdw>
+                </a:effectLst>
+              </a:rPr>
+              <a:t>繼承</a:t>
+            </a:r>
+          </a:p>
+        </p:txBody>
+      </p:sp>
+      <p:sp>
+        <p:nvSpPr>
+          <p:cNvPr id="17" name="矩形 16">
+            <a:extLst>
+              <a:ext uri="{FF2B5EF4-FFF2-40B4-BE49-F238E27FC236}">
+                <a16:creationId xmlns:a16="http://schemas.microsoft.com/office/drawing/2014/main" id="{2D5E706B-8A3E-BDBC-7D83-5F4E59675CB9}"/>
+              </a:ext>
+            </a:extLst>
+          </p:cNvPr>
+          <p:cNvSpPr/>
+          <p:nvPr/>
+        </p:nvSpPr>
+        <p:spPr>
+          <a:xfrm>
+            <a:off x="3320251" y="3790999"/>
+            <a:ext cx="799406" cy="461665"/>
+          </a:xfrm>
+          <a:prstGeom prst="rect">
+            <a:avLst/>
+          </a:prstGeom>
+          <a:solidFill>
+            <a:schemeClr val="bg1"/>
+          </a:solidFill>
+          <a:ln>
+            <a:solidFill>
+              <a:schemeClr val="tx1"/>
+            </a:solidFill>
+          </a:ln>
+        </p:spPr>
+        <p:txBody>
+          <a:bodyPr wrap="square" lIns="91440" tIns="45720" rIns="91440" bIns="45720">
+            <a:spAutoFit/>
+          </a:bodyPr>
+          <a:lstStyle/>
+          <a:p>
+            <a:pPr algn="ctr"/>
+            <a:r>
+              <a:rPr lang="zh-TW" altLang="en-US" sz="2400" b="0" cap="none" spc="0" dirty="0">
+                <a:ln w="0"/>
+                <a:solidFill>
+                  <a:schemeClr val="tx1"/>
+                </a:solidFill>
+                <a:effectLst>
+                  <a:outerShdw blurRad="38100" dist="19050" dir="2700000" algn="tl" rotWithShape="0">
+                    <a:schemeClr val="dk1">
+                      <a:alpha val="40000"/>
+                    </a:schemeClr>
+                  </a:outerShdw>
+                </a:effectLst>
+              </a:rPr>
+              <a:t>繼承</a:t>
+            </a:r>
+          </a:p>
+        </p:txBody>
+      </p:sp>
+    </p:spTree>
+    <p:extLst>
+      <p:ext uri="{BB962C8B-B14F-4D97-AF65-F5344CB8AC3E}">
+        <p14:creationId xmlns:p14="http://schemas.microsoft.com/office/powerpoint/2010/main" val="3058030212"/>
+      </p:ext>
+    </p:extLst>
+  </p:cSld>
+  <p:clrMapOvr>
+    <a:masterClrMapping/>
+  </p:clrMapOvr>
+</p:sld>
+</file>
+
+<file path=ppt/slides/slide7.xml><?xml version="1.0" encoding="utf-8"?>
+<p:sld xmlns:a="http://schemas.openxmlformats.org/drawingml/2006/main" xmlns:r="http://schemas.openxmlformats.org/officeDocument/2006/relationships" xmlns:p="http://schemas.openxmlformats.org/presentationml/2006/main">
+  <p:cSld>
+    <p:spTree>
+      <p:nvGrpSpPr>
+        <p:cNvPr id="1" name=""/>
+        <p:cNvGrpSpPr/>
+        <p:nvPr/>
+      </p:nvGrpSpPr>
+      <p:grpSpPr>
+        <a:xfrm>
+          <a:off x="0" y="0"/>
+          <a:ext cx="0" cy="0"/>
+          <a:chOff x="0" y="0"/>
+          <a:chExt cx="0" cy="0"/>
+        </a:xfrm>
+      </p:grpSpPr>
+      <p:sp>
+        <p:nvSpPr>
+          <p:cNvPr id="2" name="標題 1">
+            <a:extLst>
+              <a:ext uri="{FF2B5EF4-FFF2-40B4-BE49-F238E27FC236}">
+                <a16:creationId xmlns:a16="http://schemas.microsoft.com/office/drawing/2014/main" id="{C390E781-0B36-D9DA-A97D-C71924B266F5}"/>
+              </a:ext>
+            </a:extLst>
+          </p:cNvPr>
+          <p:cNvSpPr>
+            <a:spLocks noGrp="1"/>
+          </p:cNvSpPr>
+          <p:nvPr>
+            <p:ph type="title"/>
+          </p:nvPr>
+        </p:nvSpPr>
+        <p:spPr/>
+        <p:txBody>
+          <a:bodyPr/>
+          <a:lstStyle/>
+          <a:p>
+            <a:endParaRPr lang="zh-TW" altLang="en-US"/>
+          </a:p>
+        </p:txBody>
+      </p:sp>
+      <p:sp>
+        <p:nvSpPr>
+          <p:cNvPr id="3" name="內容版面配置區 2">
+            <a:extLst>
+              <a:ext uri="{FF2B5EF4-FFF2-40B4-BE49-F238E27FC236}">
+                <a16:creationId xmlns:a16="http://schemas.microsoft.com/office/drawing/2014/main" id="{936429EA-0E50-6E00-2CB4-DD8031CA0DAF}"/>
+              </a:ext>
+            </a:extLst>
+          </p:cNvPr>
+          <p:cNvSpPr>
+            <a:spLocks noGrp="1"/>
+          </p:cNvSpPr>
+          <p:nvPr>
+            <p:ph idx="1"/>
+          </p:nvPr>
+        </p:nvSpPr>
+        <p:spPr/>
+        <p:txBody>
+          <a:bodyPr>
+            <a:normAutofit/>
+          </a:bodyPr>
+          <a:lstStyle/>
+          <a:p>
+            <a:r>
+              <a:rPr lang="zh-TW" altLang="en-US" sz="2400" dirty="0"/>
+              <a:t>學習目標</a:t>
+            </a:r>
+            <a:r>
+              <a:rPr lang="en-US" altLang="zh-TW" sz="2400" dirty="0"/>
+              <a:t>: </a:t>
+            </a:r>
+            <a:r>
+              <a:rPr lang="zh-TW" altLang="en-US" sz="2400" dirty="0"/>
+              <a:t>物件陣列 </a:t>
+            </a:r>
+            <a:r>
+              <a:rPr lang="en-US" altLang="zh-TW" sz="2400" dirty="0"/>
+              <a:t>, </a:t>
+            </a:r>
+            <a:r>
+              <a:rPr lang="zh-TW" altLang="en-US" sz="2400" dirty="0"/>
+              <a:t>排序</a:t>
+            </a:r>
+          </a:p>
+          <a:p>
+            <a:r>
+              <a:rPr lang="zh-TW" altLang="en-US" sz="2400" dirty="0"/>
+              <a:t>你要寫一個學生資訊系統</a:t>
+            </a:r>
+            <a:r>
+              <a:rPr lang="en-US" altLang="zh-TW" sz="2400" dirty="0"/>
+              <a:t>,</a:t>
+            </a:r>
+            <a:r>
+              <a:rPr lang="zh-TW" altLang="en-US" sz="2400" dirty="0"/>
+              <a:t>使用者首先輸入有幾個學生</a:t>
+            </a:r>
+          </a:p>
+          <a:p>
+            <a:r>
+              <a:rPr lang="zh-TW" altLang="en-US" sz="2400" dirty="0"/>
+              <a:t>然後依序每一列輸入各個學生的「身高、體重、成績、學號」</a:t>
+            </a:r>
+            <a:endParaRPr lang="en-US" altLang="zh-TW" sz="2400" dirty="0"/>
+          </a:p>
+          <a:p>
+            <a:r>
+              <a:rPr lang="zh-TW" altLang="en-US" sz="2400" dirty="0"/>
+              <a:t>輸入完之後</a:t>
+            </a:r>
+            <a:r>
+              <a:rPr lang="en-US" altLang="zh-TW" sz="2400" dirty="0"/>
+              <a:t>,</a:t>
+            </a:r>
+            <a:r>
+              <a:rPr lang="zh-TW" altLang="en-US" sz="2400" dirty="0"/>
+              <a:t>讓每個學生依照成績由小到大排序</a:t>
+            </a:r>
+            <a:endParaRPr lang="en-US" altLang="zh-TW" sz="2400" dirty="0"/>
+          </a:p>
+          <a:p>
+            <a:r>
+              <a:rPr lang="zh-TW" altLang="en-US" sz="2400" dirty="0"/>
+              <a:t>排序完後照順序印出全部學生資料</a:t>
+            </a:r>
+            <a:endParaRPr lang="en-US" altLang="zh-TW" sz="2400" dirty="0"/>
+          </a:p>
+          <a:p>
+            <a:r>
+              <a:rPr lang="zh-TW" altLang="en-US" sz="2400" dirty="0"/>
+              <a:t>限制：用物件導向存放學生資料</a:t>
+            </a:r>
+            <a:r>
+              <a:rPr lang="en-US" altLang="zh-TW" sz="2400" dirty="0"/>
+              <a:t>,</a:t>
+            </a:r>
+            <a:r>
+              <a:rPr lang="zh-TW" altLang="en-US" sz="2400" dirty="0"/>
+              <a:t>並且在學生類別內定義印出自己資訊的函數</a:t>
+            </a:r>
+          </a:p>
+          <a:p>
+            <a:endParaRPr lang="zh-TW" altLang="en-US" sz="2400" dirty="0"/>
+          </a:p>
+          <a:p>
+            <a:endParaRPr lang="zh-TW" altLang="en-US" sz="2400" dirty="0"/>
+          </a:p>
+        </p:txBody>
+      </p:sp>
+      <p:pic>
+        <p:nvPicPr>
+          <p:cNvPr id="5" name="圖片 4" descr="一張含有 文字, 螢幕擷取畫面, 軟體, 多媒體軟體 的圖片&#10;&#10;自動產生的描述">
+            <a:extLst>
+              <a:ext uri="{FF2B5EF4-FFF2-40B4-BE49-F238E27FC236}">
+                <a16:creationId xmlns:a16="http://schemas.microsoft.com/office/drawing/2014/main" id="{06EF54D3-7C55-324A-AC4C-A565440EAA0D}"/>
+              </a:ext>
+            </a:extLst>
+          </p:cNvPr>
+          <p:cNvPicPr>
+            <a:picLocks noChangeAspect="1"/>
+          </p:cNvPicPr>
+          <p:nvPr/>
+        </p:nvPicPr>
+        <p:blipFill rotWithShape="1">
+          <a:blip r:embed="rId2">
+            <a:extLst>
+              <a:ext uri="{28A0092B-C50C-407E-A947-70E740481C1C}">
+                <a14:useLocalDpi xmlns:a14="http://schemas.microsoft.com/office/drawing/2010/main" val="0"/>
+              </a:ext>
+            </a:extLst>
+          </a:blip>
+          <a:srcRect l="14083" t="36551" r="41811" b="29832"/>
+          <a:stretch/>
+        </p:blipFill>
+        <p:spPr>
+          <a:xfrm>
+            <a:off x="8471658" y="65086"/>
+            <a:ext cx="3197827" cy="2600024"/>
+          </a:xfrm>
+          <a:prstGeom prst="rect">
+            <a:avLst/>
+          </a:prstGeom>
+        </p:spPr>
+      </p:pic>
+      <p:graphicFrame>
+        <p:nvGraphicFramePr>
+          <p:cNvPr id="4" name="表格 9">
+            <a:extLst>
+              <a:ext uri="{FF2B5EF4-FFF2-40B4-BE49-F238E27FC236}">
+                <a16:creationId xmlns:a16="http://schemas.microsoft.com/office/drawing/2014/main" id="{ADC9E01D-B4A6-5CF2-1441-84471D8E9674}"/>
+              </a:ext>
+            </a:extLst>
+          </p:cNvPr>
+          <p:cNvGraphicFramePr>
+            <a:graphicFrameLocks noGrp="1"/>
+          </p:cNvGraphicFramePr>
+          <p:nvPr>
+            <p:extLst>
+              <p:ext uri="{D42A27DB-BD31-4B8C-83A1-F6EECF244321}">
+                <p14:modId xmlns:p14="http://schemas.microsoft.com/office/powerpoint/2010/main" val="1607856593"/>
+              </p:ext>
+            </p:extLst>
+          </p:nvPr>
+        </p:nvGraphicFramePr>
+        <p:xfrm>
+          <a:off x="8848697" y="3744057"/>
+          <a:ext cx="2443747" cy="2432906"/>
+        </p:xfrm>
+        <a:graphic>
+          <a:graphicData uri="http://schemas.openxmlformats.org/drawingml/2006/table">
+            <a:tbl>
+              <a:tblPr firstRow="1" bandRow="1">
+                <a:tableStyleId>{ED083AE6-46FA-4A59-8FB0-9F97EB10719F}</a:tableStyleId>
+              </a:tblPr>
+              <a:tblGrid>
+                <a:gridCol w="2443747">
+                  <a:extLst>
+                    <a:ext uri="{9D8B030D-6E8A-4147-A177-3AD203B41FA5}">
+                      <a16:colId xmlns:a16="http://schemas.microsoft.com/office/drawing/2014/main" val="868113736"/>
+                    </a:ext>
+                  </a:extLst>
+                </a:gridCol>
+              </a:tblGrid>
+              <a:tr h="484933">
+                <a:tc>
+                  <a:txBody>
+                    <a:bodyPr/>
+                    <a:lstStyle/>
+                    <a:p>
+                      <a:pPr algn="ctr"/>
+                      <a:r>
+                        <a:rPr lang="en-US" altLang="zh-TW" b="1" i="1" dirty="0"/>
+                        <a:t>Student</a:t>
+                      </a:r>
+                      <a:endParaRPr lang="zh-TW" altLang="en-US" b="1" i="1" dirty="0"/>
+                    </a:p>
+                  </a:txBody>
+                  <a:tcPr/>
+                </a:tc>
+                <a:extLst>
+                  <a:ext uri="{0D108BD9-81ED-4DB2-BD59-A6C34878D82A}">
+                    <a16:rowId xmlns:a16="http://schemas.microsoft.com/office/drawing/2014/main" val="1836207730"/>
+                  </a:ext>
+                </a:extLst>
+              </a:tr>
+              <a:tr h="484933">
+                <a:tc>
+                  <a:txBody>
+                    <a:bodyPr/>
+                    <a:lstStyle/>
+                    <a:p>
+                      <a:r>
+                        <a:rPr lang="en-US" altLang="zh-TW" dirty="0"/>
+                        <a:t>#name:string</a:t>
+                      </a:r>
+                      <a:endParaRPr lang="zh-TW" altLang="en-US" dirty="0"/>
+                    </a:p>
+                  </a:txBody>
+                  <a:tcPr/>
+                </a:tc>
+                <a:extLst>
+                  <a:ext uri="{0D108BD9-81ED-4DB2-BD59-A6C34878D82A}">
+                    <a16:rowId xmlns:a16="http://schemas.microsoft.com/office/drawing/2014/main" val="3955927769"/>
+                  </a:ext>
+                </a:extLst>
+              </a:tr>
+              <a:tr h="484933">
+                <a:tc>
+                  <a:txBody>
+                    <a:bodyPr/>
+                    <a:lstStyle/>
+                    <a:p>
+                      <a:pPr marL="0" marR="0" lvl="0" indent="0" algn="l" defTabSz="914400" rtl="0" eaLnBrk="1" fontAlgn="auto" latinLnBrk="0" hangingPunct="1">
+                        <a:lnSpc>
+                          <a:spcPct val="100000"/>
+                        </a:lnSpc>
+                        <a:spcBef>
+                          <a:spcPts val="0"/>
+                        </a:spcBef>
+                        <a:spcAft>
+                          <a:spcPts val="0"/>
+                        </a:spcAft>
+                        <a:buClrTx/>
+                        <a:buSzTx/>
+                        <a:buFontTx/>
+                        <a:buNone/>
+                        <a:tabLst/>
+                        <a:defRPr/>
+                      </a:pPr>
+                      <a:r>
+                        <a:rPr lang="en-US" altLang="zh-TW" dirty="0"/>
+                        <a:t>+</a:t>
+                      </a:r>
+                      <a:r>
+                        <a:rPr lang="en-US" altLang="zh-TW" sz="1800" kern="1200" dirty="0">
+                          <a:solidFill>
+                            <a:schemeClr val="tx1"/>
+                          </a:solidFill>
+                          <a:effectLst/>
+                          <a:latin typeface="+mn-lt"/>
+                          <a:ea typeface="+mn-ea"/>
+                          <a:cs typeface="+mn-cs"/>
+                        </a:rPr>
+                        <a:t> height ();</a:t>
+                      </a:r>
+                    </a:p>
+                    <a:p>
+                      <a:pPr marL="0" marR="0" lvl="0" indent="0" algn="l" defTabSz="914400" rtl="0" eaLnBrk="1" fontAlgn="auto" latinLnBrk="0" hangingPunct="1">
+                        <a:lnSpc>
+                          <a:spcPct val="100000"/>
+                        </a:lnSpc>
+                        <a:spcBef>
+                          <a:spcPts val="0"/>
+                        </a:spcBef>
+                        <a:spcAft>
+                          <a:spcPts val="0"/>
+                        </a:spcAft>
+                        <a:buClrTx/>
+                        <a:buSzTx/>
+                        <a:buFontTx/>
+                        <a:buNone/>
+                        <a:tabLst/>
+                        <a:defRPr/>
+                      </a:pPr>
+                      <a:r>
+                        <a:rPr lang="en-US" altLang="zh-TW" sz="1800" kern="1200" dirty="0">
+                          <a:solidFill>
+                            <a:schemeClr val="tx1"/>
+                          </a:solidFill>
+                          <a:effectLst/>
+                          <a:latin typeface="+mn-lt"/>
+                          <a:ea typeface="+mn-ea"/>
+                          <a:cs typeface="+mn-cs"/>
+                        </a:rPr>
+                        <a:t>+ weight();</a:t>
+                      </a:r>
+                    </a:p>
+                    <a:p>
+                      <a:pPr marL="0" marR="0" lvl="0" indent="0" algn="l" defTabSz="914400" rtl="0" eaLnBrk="1" fontAlgn="auto" latinLnBrk="0" hangingPunct="1">
+                        <a:lnSpc>
+                          <a:spcPct val="100000"/>
+                        </a:lnSpc>
+                        <a:spcBef>
+                          <a:spcPts val="0"/>
+                        </a:spcBef>
+                        <a:spcAft>
+                          <a:spcPts val="0"/>
+                        </a:spcAft>
+                        <a:buClrTx/>
+                        <a:buSzTx/>
+                        <a:buFontTx/>
+                        <a:buNone/>
+                        <a:tabLst/>
+                        <a:defRPr/>
+                      </a:pPr>
+                      <a:r>
+                        <a:rPr lang="en-US" altLang="zh-TW" sz="1800" kern="1200" dirty="0">
+                          <a:solidFill>
+                            <a:schemeClr val="tx1"/>
+                          </a:solidFill>
+                          <a:effectLst/>
+                          <a:latin typeface="+mn-lt"/>
+                          <a:ea typeface="+mn-ea"/>
+                          <a:cs typeface="+mn-cs"/>
+                        </a:rPr>
+                        <a:t>+ score();</a:t>
+                      </a:r>
+                    </a:p>
+                    <a:p>
+                      <a:r>
+                        <a:rPr lang="en-US" altLang="zh-TW" dirty="0"/>
+                        <a:t>+ id();</a:t>
+                      </a:r>
+                    </a:p>
+                    <a:p>
+                      <a:r>
+                        <a:rPr lang="en-US" altLang="zh-TW" dirty="0"/>
+                        <a:t>+ </a:t>
+                      </a:r>
+                      <a:r>
+                        <a:rPr lang="en-US" altLang="zh-TW" dirty="0" err="1"/>
+                        <a:t>scoreSort</a:t>
+                      </a:r>
+                      <a:r>
+                        <a:rPr lang="en-US" altLang="zh-TW" dirty="0"/>
+                        <a:t>();</a:t>
+                      </a:r>
+                      <a:endParaRPr lang="zh-TW" altLang="en-US" dirty="0"/>
+                    </a:p>
+                  </a:txBody>
+                  <a:tcPr/>
+                </a:tc>
+                <a:extLst>
+                  <a:ext uri="{0D108BD9-81ED-4DB2-BD59-A6C34878D82A}">
+                    <a16:rowId xmlns:a16="http://schemas.microsoft.com/office/drawing/2014/main" val="2763096056"/>
+                  </a:ext>
+                </a:extLst>
+              </a:tr>
+            </a:tbl>
+          </a:graphicData>
+        </a:graphic>
+      </p:graphicFrame>
+    </p:spTree>
+    <p:extLst>
+      <p:ext uri="{BB962C8B-B14F-4D97-AF65-F5344CB8AC3E}">
+        <p14:creationId xmlns:p14="http://schemas.microsoft.com/office/powerpoint/2010/main" val="1397207129"/>
+      </p:ext>
+    </p:extLst>
+  </p:cSld>
+  <p:clrMapOvr>
+    <a:masterClrMapping/>
+  </p:clrMapOvr>
+</p:sld>
+</file>
+
+<file path=ppt/slides/slide8.xml><?xml version="1.0" encoding="utf-8"?>
+<p:sld xmlns:a="http://schemas.openxmlformats.org/drawingml/2006/main" xmlns:r="http://schemas.openxmlformats.org/officeDocument/2006/relationships" xmlns:p="http://schemas.openxmlformats.org/presentationml/2006/main">
+  <p:cSld>
+    <p:spTree>
+      <p:nvGrpSpPr>
+        <p:cNvPr id="1" name=""/>
+        <p:cNvGrpSpPr/>
+        <p:nvPr/>
+      </p:nvGrpSpPr>
+      <p:grpSpPr>
+        <a:xfrm>
+          <a:off x="0" y="0"/>
+          <a:ext cx="0" cy="0"/>
+          <a:chOff x="0" y="0"/>
+          <a:chExt cx="0" cy="0"/>
+        </a:xfrm>
+      </p:grpSpPr>
+      <p:sp>
+        <p:nvSpPr>
+          <p:cNvPr id="2" name="標題 1">
+            <a:extLst>
+              <a:ext uri="{FF2B5EF4-FFF2-40B4-BE49-F238E27FC236}">
+                <a16:creationId xmlns:a16="http://schemas.microsoft.com/office/drawing/2014/main" id="{CA6FBAA0-89B2-8393-7C97-417C0D1CDC75}"/>
+              </a:ext>
+            </a:extLst>
+          </p:cNvPr>
+          <p:cNvSpPr>
+            <a:spLocks noGrp="1"/>
+          </p:cNvSpPr>
+          <p:nvPr>
+            <p:ph type="title"/>
+          </p:nvPr>
+        </p:nvSpPr>
+        <p:spPr/>
+        <p:txBody>
+          <a:bodyPr/>
+          <a:lstStyle/>
+          <a:p>
+            <a:endParaRPr lang="zh-TW" altLang="en-US"/>
+          </a:p>
+        </p:txBody>
+      </p:sp>
+      <p:sp>
+        <p:nvSpPr>
+          <p:cNvPr id="3" name="內容版面配置區 2">
+            <a:extLst>
+              <a:ext uri="{FF2B5EF4-FFF2-40B4-BE49-F238E27FC236}">
+                <a16:creationId xmlns:a16="http://schemas.microsoft.com/office/drawing/2014/main" id="{2C2BE370-4181-5FB2-26EF-814F3E4F9325}"/>
+              </a:ext>
+            </a:extLst>
+          </p:cNvPr>
+          <p:cNvSpPr>
+            <a:spLocks noGrp="1"/>
+          </p:cNvSpPr>
+          <p:nvPr>
+            <p:ph idx="1"/>
+          </p:nvPr>
+        </p:nvSpPr>
+        <p:spPr/>
+        <p:txBody>
+          <a:bodyPr/>
+          <a:lstStyle/>
+          <a:p>
+            <a:endParaRPr lang="zh-TW" altLang="en-US"/>
+          </a:p>
+        </p:txBody>
+      </p:sp>
+      <p:pic>
+        <p:nvPicPr>
+          <p:cNvPr id="4" name="圖片 3" descr="一張含有 文字, 螢幕擷取畫面, 軟體, 多媒體軟體 的圖片&#10;&#10;自動產生的描述">
+            <a:extLst>
+              <a:ext uri="{FF2B5EF4-FFF2-40B4-BE49-F238E27FC236}">
+                <a16:creationId xmlns:a16="http://schemas.microsoft.com/office/drawing/2014/main" id="{BFBD05A0-FAE3-FD00-782D-BB150B643BC9}"/>
+              </a:ext>
+            </a:extLst>
+          </p:cNvPr>
+          <p:cNvPicPr>
+            <a:picLocks noChangeAspect="1"/>
+          </p:cNvPicPr>
+          <p:nvPr/>
+        </p:nvPicPr>
+        <p:blipFill rotWithShape="1">
+          <a:blip r:embed="rId2">
+            <a:extLst>
+              <a:ext uri="{28A0092B-C50C-407E-A947-70E740481C1C}">
+                <a14:useLocalDpi xmlns:a14="http://schemas.microsoft.com/office/drawing/2010/main" val="0"/>
+              </a:ext>
+            </a:extLst>
+          </a:blip>
+          <a:srcRect l="14083" t="36551" r="41811" b="29832"/>
+          <a:stretch/>
+        </p:blipFill>
+        <p:spPr>
+          <a:xfrm>
+            <a:off x="3801980" y="65085"/>
+            <a:ext cx="7867506" cy="6396751"/>
+          </a:xfrm>
+          <a:prstGeom prst="rect">
+            <a:avLst/>
+          </a:prstGeom>
+        </p:spPr>
+      </p:pic>
+    </p:spTree>
+    <p:extLst>
+      <p:ext uri="{BB962C8B-B14F-4D97-AF65-F5344CB8AC3E}">
+        <p14:creationId xmlns:p14="http://schemas.microsoft.com/office/powerpoint/2010/main" val="3045181245"/>
       </p:ext>
     </p:extLst>
   </p:cSld>

--- a/OOP_PracticeQuestions/Java_Object_Oriented_Programming(OOP)_Design_Pattern.pptx
+++ b/OOP_PracticeQuestions/Java_Object_Oriented_Programming(OOP)_Design_Pattern.pptx
@@ -13,6 +13,9 @@
     <p:sldId id="262" r:id="rId7"/>
     <p:sldId id="263" r:id="rId8"/>
     <p:sldId id="264" r:id="rId9"/>
+    <p:sldId id="265" r:id="rId10"/>
+    <p:sldId id="267" r:id="rId11"/>
+    <p:sldId id="266" r:id="rId12"/>
   </p:sldIdLst>
   <p:sldSz cx="12192000" cy="6858000"/>
   <p:notesSz cx="6858000" cy="9144000"/>
@@ -266,7 +269,7 @@
           <a:p>
             <a:fld id="{784928E5-147F-45AD-A341-72A6CA6AF1E0}" type="datetimeFigureOut">
               <a:rPr lang="zh-TW" altLang="en-US" smtClean="0"/>
-              <a:t>2023/9/10</a:t>
+              <a:t>2023/9/11</a:t>
             </a:fld>
             <a:endParaRPr lang="zh-TW" altLang="en-US"/>
           </a:p>
@@ -464,7 +467,7 @@
           <a:p>
             <a:fld id="{784928E5-147F-45AD-A341-72A6CA6AF1E0}" type="datetimeFigureOut">
               <a:rPr lang="zh-TW" altLang="en-US" smtClean="0"/>
-              <a:t>2023/9/10</a:t>
+              <a:t>2023/9/11</a:t>
             </a:fld>
             <a:endParaRPr lang="zh-TW" altLang="en-US"/>
           </a:p>
@@ -672,7 +675,7 @@
           <a:p>
             <a:fld id="{784928E5-147F-45AD-A341-72A6CA6AF1E0}" type="datetimeFigureOut">
               <a:rPr lang="zh-TW" altLang="en-US" smtClean="0"/>
-              <a:t>2023/9/10</a:t>
+              <a:t>2023/9/11</a:t>
             </a:fld>
             <a:endParaRPr lang="zh-TW" altLang="en-US"/>
           </a:p>
@@ -870,7 +873,7 @@
           <a:p>
             <a:fld id="{784928E5-147F-45AD-A341-72A6CA6AF1E0}" type="datetimeFigureOut">
               <a:rPr lang="zh-TW" altLang="en-US" smtClean="0"/>
-              <a:t>2023/9/10</a:t>
+              <a:t>2023/9/11</a:t>
             </a:fld>
             <a:endParaRPr lang="zh-TW" altLang="en-US"/>
           </a:p>
@@ -1145,7 +1148,7 @@
           <a:p>
             <a:fld id="{784928E5-147F-45AD-A341-72A6CA6AF1E0}" type="datetimeFigureOut">
               <a:rPr lang="zh-TW" altLang="en-US" smtClean="0"/>
-              <a:t>2023/9/10</a:t>
+              <a:t>2023/9/11</a:t>
             </a:fld>
             <a:endParaRPr lang="zh-TW" altLang="en-US"/>
           </a:p>
@@ -1410,7 +1413,7 @@
           <a:p>
             <a:fld id="{784928E5-147F-45AD-A341-72A6CA6AF1E0}" type="datetimeFigureOut">
               <a:rPr lang="zh-TW" altLang="en-US" smtClean="0"/>
-              <a:t>2023/9/10</a:t>
+              <a:t>2023/9/11</a:t>
             </a:fld>
             <a:endParaRPr lang="zh-TW" altLang="en-US"/>
           </a:p>
@@ -1822,7 +1825,7 @@
           <a:p>
             <a:fld id="{784928E5-147F-45AD-A341-72A6CA6AF1E0}" type="datetimeFigureOut">
               <a:rPr lang="zh-TW" altLang="en-US" smtClean="0"/>
-              <a:t>2023/9/10</a:t>
+              <a:t>2023/9/11</a:t>
             </a:fld>
             <a:endParaRPr lang="zh-TW" altLang="en-US"/>
           </a:p>
@@ -1963,7 +1966,7 @@
           <a:p>
             <a:fld id="{784928E5-147F-45AD-A341-72A6CA6AF1E0}" type="datetimeFigureOut">
               <a:rPr lang="zh-TW" altLang="en-US" smtClean="0"/>
-              <a:t>2023/9/10</a:t>
+              <a:t>2023/9/11</a:t>
             </a:fld>
             <a:endParaRPr lang="zh-TW" altLang="en-US"/>
           </a:p>
@@ -2076,7 +2079,7 @@
           <a:p>
             <a:fld id="{784928E5-147F-45AD-A341-72A6CA6AF1E0}" type="datetimeFigureOut">
               <a:rPr lang="zh-TW" altLang="en-US" smtClean="0"/>
-              <a:t>2023/9/10</a:t>
+              <a:t>2023/9/11</a:t>
             </a:fld>
             <a:endParaRPr lang="zh-TW" altLang="en-US"/>
           </a:p>
@@ -2387,7 +2390,7 @@
           <a:p>
             <a:fld id="{784928E5-147F-45AD-A341-72A6CA6AF1E0}" type="datetimeFigureOut">
               <a:rPr lang="zh-TW" altLang="en-US" smtClean="0"/>
-              <a:t>2023/9/10</a:t>
+              <a:t>2023/9/11</a:t>
             </a:fld>
             <a:endParaRPr lang="zh-TW" altLang="en-US"/>
           </a:p>
@@ -2675,7 +2678,7 @@
           <a:p>
             <a:fld id="{784928E5-147F-45AD-A341-72A6CA6AF1E0}" type="datetimeFigureOut">
               <a:rPr lang="zh-TW" altLang="en-US" smtClean="0"/>
-              <a:t>2023/9/10</a:t>
+              <a:t>2023/9/11</a:t>
             </a:fld>
             <a:endParaRPr lang="zh-TW" altLang="en-US"/>
           </a:p>
@@ -2916,7 +2919,7 @@
           <a:p>
             <a:fld id="{784928E5-147F-45AD-A341-72A6CA6AF1E0}" type="datetimeFigureOut">
               <a:rPr lang="zh-TW" altLang="en-US" smtClean="0"/>
-              <a:t>2023/9/10</a:t>
+              <a:t>2023/9/11</a:t>
             </a:fld>
             <a:endParaRPr lang="zh-TW" altLang="en-US"/>
           </a:p>
@@ -3967,6 +3970,937 @@
 </p:sld>
 </file>
 
+<file path=ppt/slides/slide10.xml><?xml version="1.0" encoding="utf-8"?>
+<p:sld xmlns:a="http://schemas.openxmlformats.org/drawingml/2006/main" xmlns:r="http://schemas.openxmlformats.org/officeDocument/2006/relationships" xmlns:p="http://schemas.openxmlformats.org/presentationml/2006/main">
+  <p:cSld>
+    <p:spTree>
+      <p:nvGrpSpPr>
+        <p:cNvPr id="1" name=""/>
+        <p:cNvGrpSpPr/>
+        <p:nvPr/>
+      </p:nvGrpSpPr>
+      <p:grpSpPr>
+        <a:xfrm>
+          <a:off x="0" y="0"/>
+          <a:ext cx="0" cy="0"/>
+          <a:chOff x="0" y="0"/>
+          <a:chExt cx="0" cy="0"/>
+        </a:xfrm>
+      </p:grpSpPr>
+      <p:graphicFrame>
+        <p:nvGraphicFramePr>
+          <p:cNvPr id="4" name="表格 9">
+            <a:extLst>
+              <a:ext uri="{FF2B5EF4-FFF2-40B4-BE49-F238E27FC236}">
+                <a16:creationId xmlns:a16="http://schemas.microsoft.com/office/drawing/2014/main" id="{B6E26EDC-7FB3-E09C-44C4-A8B98009EC5A}"/>
+              </a:ext>
+            </a:extLst>
+          </p:cNvPr>
+          <p:cNvGraphicFramePr>
+            <a:graphicFrameLocks noGrp="1"/>
+          </p:cNvGraphicFramePr>
+          <p:nvPr>
+            <p:extLst>
+              <p:ext uri="{D42A27DB-BD31-4B8C-83A1-F6EECF244321}">
+                <p14:modId xmlns:p14="http://schemas.microsoft.com/office/powerpoint/2010/main" val="3344517218"/>
+              </p:ext>
+            </p:extLst>
+          </p:nvPr>
+        </p:nvGraphicFramePr>
+        <p:xfrm>
+          <a:off x="4803453" y="1825625"/>
+          <a:ext cx="2443747" cy="1609946"/>
+        </p:xfrm>
+        <a:graphic>
+          <a:graphicData uri="http://schemas.openxmlformats.org/drawingml/2006/table">
+            <a:tbl>
+              <a:tblPr firstRow="1" bandRow="1">
+                <a:tableStyleId>{ED083AE6-46FA-4A59-8FB0-9F97EB10719F}</a:tableStyleId>
+              </a:tblPr>
+              <a:tblGrid>
+                <a:gridCol w="2443747">
+                  <a:extLst>
+                    <a:ext uri="{9D8B030D-6E8A-4147-A177-3AD203B41FA5}">
+                      <a16:colId xmlns:a16="http://schemas.microsoft.com/office/drawing/2014/main" val="868113736"/>
+                    </a:ext>
+                  </a:extLst>
+                </a:gridCol>
+              </a:tblGrid>
+              <a:tr h="484933">
+                <a:tc>
+                  <a:txBody>
+                    <a:bodyPr/>
+                    <a:lstStyle/>
+                    <a:p>
+                      <a:pPr algn="ctr"/>
+                      <a:r>
+                        <a:rPr lang="en-US" altLang="zh-TW" b="1" i="1" dirty="0"/>
+                        <a:t>Person</a:t>
+                      </a:r>
+                      <a:endParaRPr lang="zh-TW" altLang="en-US" b="1" i="1" dirty="0"/>
+                    </a:p>
+                  </a:txBody>
+                  <a:tcPr/>
+                </a:tc>
+                <a:extLst>
+                  <a:ext uri="{0D108BD9-81ED-4DB2-BD59-A6C34878D82A}">
+                    <a16:rowId xmlns:a16="http://schemas.microsoft.com/office/drawing/2014/main" val="1836207730"/>
+                  </a:ext>
+                </a:extLst>
+              </a:tr>
+              <a:tr h="484933">
+                <a:tc>
+                  <a:txBody>
+                    <a:bodyPr/>
+                    <a:lstStyle/>
+                    <a:p>
+                      <a:r>
+                        <a:rPr lang="en-US" altLang="zh-TW" dirty="0"/>
+                        <a:t>#name:string</a:t>
+                      </a:r>
+                      <a:endParaRPr lang="zh-TW" altLang="en-US" dirty="0"/>
+                    </a:p>
+                  </a:txBody>
+                  <a:tcPr/>
+                </a:tc>
+                <a:extLst>
+                  <a:ext uri="{0D108BD9-81ED-4DB2-BD59-A6C34878D82A}">
+                    <a16:rowId xmlns:a16="http://schemas.microsoft.com/office/drawing/2014/main" val="3955927769"/>
+                  </a:ext>
+                </a:extLst>
+              </a:tr>
+              <a:tr h="484933">
+                <a:tc>
+                  <a:txBody>
+                    <a:bodyPr/>
+                    <a:lstStyle/>
+                    <a:p>
+                      <a:pPr marL="0" marR="0" lvl="0" indent="0" algn="l" defTabSz="914400" rtl="0" eaLnBrk="1" fontAlgn="auto" latinLnBrk="0" hangingPunct="1">
+                        <a:lnSpc>
+                          <a:spcPct val="100000"/>
+                        </a:lnSpc>
+                        <a:spcBef>
+                          <a:spcPts val="0"/>
+                        </a:spcBef>
+                        <a:spcAft>
+                          <a:spcPts val="0"/>
+                        </a:spcAft>
+                        <a:buClrTx/>
+                        <a:buSzTx/>
+                        <a:buFontTx/>
+                        <a:buNone/>
+                        <a:tabLst/>
+                        <a:defRPr/>
+                      </a:pPr>
+                      <a:r>
+                        <a:rPr lang="en-US" altLang="zh-TW" dirty="0"/>
+                        <a:t>+</a:t>
+                      </a:r>
+                      <a:r>
+                        <a:rPr lang="en-US" altLang="zh-TW" sz="1800" kern="1200" dirty="0">
+                          <a:solidFill>
+                            <a:schemeClr val="tx1"/>
+                          </a:solidFill>
+                          <a:effectLst/>
+                          <a:latin typeface="+mn-lt"/>
+                          <a:ea typeface="+mn-ea"/>
+                          <a:cs typeface="+mn-cs"/>
+                        </a:rPr>
+                        <a:t>eat();</a:t>
+                      </a:r>
+                    </a:p>
+                    <a:p>
+                      <a:pPr marL="0" marR="0" lvl="0" indent="0" algn="l" defTabSz="914400" rtl="0" eaLnBrk="1" fontAlgn="auto" latinLnBrk="0" hangingPunct="1">
+                        <a:lnSpc>
+                          <a:spcPct val="100000"/>
+                        </a:lnSpc>
+                        <a:spcBef>
+                          <a:spcPts val="0"/>
+                        </a:spcBef>
+                        <a:spcAft>
+                          <a:spcPts val="0"/>
+                        </a:spcAft>
+                        <a:buClrTx/>
+                        <a:buSzTx/>
+                        <a:buFontTx/>
+                        <a:buNone/>
+                        <a:tabLst/>
+                        <a:defRPr/>
+                      </a:pPr>
+                      <a:r>
+                        <a:rPr lang="en-US" altLang="zh-TW" dirty="0"/>
+                        <a:t>+</a:t>
+                      </a:r>
+                      <a:r>
+                        <a:rPr lang="en-US" altLang="zh-TW" sz="1800" kern="1200" dirty="0">
+                          <a:solidFill>
+                            <a:schemeClr val="tx1"/>
+                          </a:solidFill>
+                          <a:effectLst/>
+                          <a:latin typeface="+mn-lt"/>
+                          <a:ea typeface="+mn-ea"/>
+                          <a:cs typeface="+mn-cs"/>
+                        </a:rPr>
+                        <a:t>sleep();</a:t>
+                      </a:r>
+                    </a:p>
+                  </a:txBody>
+                  <a:tcPr/>
+                </a:tc>
+                <a:extLst>
+                  <a:ext uri="{0D108BD9-81ED-4DB2-BD59-A6C34878D82A}">
+                    <a16:rowId xmlns:a16="http://schemas.microsoft.com/office/drawing/2014/main" val="2763096056"/>
+                  </a:ext>
+                </a:extLst>
+              </a:tr>
+            </a:tbl>
+          </a:graphicData>
+        </a:graphic>
+      </p:graphicFrame>
+      <p:graphicFrame>
+        <p:nvGraphicFramePr>
+          <p:cNvPr id="5" name="表格 9">
+            <a:extLst>
+              <a:ext uri="{FF2B5EF4-FFF2-40B4-BE49-F238E27FC236}">
+                <a16:creationId xmlns:a16="http://schemas.microsoft.com/office/drawing/2014/main" id="{1D8A7C1B-22AB-81F7-824B-366CBB86CEC1}"/>
+              </a:ext>
+            </a:extLst>
+          </p:cNvPr>
+          <p:cNvGraphicFramePr>
+            <a:graphicFrameLocks noGrp="1"/>
+          </p:cNvGraphicFramePr>
+          <p:nvPr>
+            <p:extLst>
+              <p:ext uri="{D42A27DB-BD31-4B8C-83A1-F6EECF244321}">
+                <p14:modId xmlns:p14="http://schemas.microsoft.com/office/powerpoint/2010/main" val="6455383"/>
+              </p:ext>
+            </p:extLst>
+          </p:nvPr>
+        </p:nvGraphicFramePr>
+        <p:xfrm>
+          <a:off x="838200" y="4616723"/>
+          <a:ext cx="2443747" cy="1884266"/>
+        </p:xfrm>
+        <a:graphic>
+          <a:graphicData uri="http://schemas.openxmlformats.org/drawingml/2006/table">
+            <a:tbl>
+              <a:tblPr firstRow="1" bandRow="1">
+                <a:tableStyleId>{ED083AE6-46FA-4A59-8FB0-9F97EB10719F}</a:tableStyleId>
+              </a:tblPr>
+              <a:tblGrid>
+                <a:gridCol w="2443747">
+                  <a:extLst>
+                    <a:ext uri="{9D8B030D-6E8A-4147-A177-3AD203B41FA5}">
+                      <a16:colId xmlns:a16="http://schemas.microsoft.com/office/drawing/2014/main" val="868113736"/>
+                    </a:ext>
+                  </a:extLst>
+                </a:gridCol>
+              </a:tblGrid>
+              <a:tr h="484933">
+                <a:tc>
+                  <a:txBody>
+                    <a:bodyPr/>
+                    <a:lstStyle/>
+                    <a:p>
+                      <a:pPr marL="0" marR="0" lvl="0" indent="0" algn="ctr" defTabSz="914400" rtl="0" eaLnBrk="1" fontAlgn="auto" latinLnBrk="0" hangingPunct="1">
+                        <a:lnSpc>
+                          <a:spcPct val="100000"/>
+                        </a:lnSpc>
+                        <a:spcBef>
+                          <a:spcPts val="0"/>
+                        </a:spcBef>
+                        <a:spcAft>
+                          <a:spcPts val="0"/>
+                        </a:spcAft>
+                        <a:buClrTx/>
+                        <a:buSzTx/>
+                        <a:buFontTx/>
+                        <a:buNone/>
+                        <a:tabLst/>
+                        <a:defRPr/>
+                      </a:pPr>
+                      <a:r>
+                        <a:rPr lang="en-US" altLang="zh-TW" sz="1800" b="1" u="none" kern="1200" dirty="0">
+                          <a:solidFill>
+                            <a:schemeClr val="tx1"/>
+                          </a:solidFill>
+                          <a:effectLst/>
+                          <a:latin typeface="+mn-lt"/>
+                          <a:ea typeface="+mn-ea"/>
+                          <a:cs typeface="+mn-cs"/>
+                        </a:rPr>
+                        <a:t>Man</a:t>
+                      </a:r>
+                    </a:p>
+                  </a:txBody>
+                  <a:tcPr/>
+                </a:tc>
+                <a:extLst>
+                  <a:ext uri="{0D108BD9-81ED-4DB2-BD59-A6C34878D82A}">
+                    <a16:rowId xmlns:a16="http://schemas.microsoft.com/office/drawing/2014/main" val="1836207730"/>
+                  </a:ext>
+                </a:extLst>
+              </a:tr>
+              <a:tr h="484933">
+                <a:tc>
+                  <a:txBody>
+                    <a:bodyPr/>
+                    <a:lstStyle/>
+                    <a:p>
+                      <a:endParaRPr lang="zh-TW" altLang="en-US" dirty="0"/>
+                    </a:p>
+                  </a:txBody>
+                  <a:tcPr/>
+                </a:tc>
+                <a:extLst>
+                  <a:ext uri="{0D108BD9-81ED-4DB2-BD59-A6C34878D82A}">
+                    <a16:rowId xmlns:a16="http://schemas.microsoft.com/office/drawing/2014/main" val="3955927769"/>
+                  </a:ext>
+                </a:extLst>
+              </a:tr>
+              <a:tr h="484933">
+                <a:tc>
+                  <a:txBody>
+                    <a:bodyPr/>
+                    <a:lstStyle/>
+                    <a:p>
+                      <a:pPr marL="0" marR="0" lvl="0" indent="0" algn="l" defTabSz="914400" rtl="0" eaLnBrk="1" fontAlgn="auto" latinLnBrk="0" hangingPunct="1">
+                        <a:lnSpc>
+                          <a:spcPct val="100000"/>
+                        </a:lnSpc>
+                        <a:spcBef>
+                          <a:spcPts val="0"/>
+                        </a:spcBef>
+                        <a:spcAft>
+                          <a:spcPts val="0"/>
+                        </a:spcAft>
+                        <a:buClrTx/>
+                        <a:buSzTx/>
+                        <a:buFontTx/>
+                        <a:buNone/>
+                        <a:tabLst/>
+                        <a:defRPr/>
+                      </a:pPr>
+                      <a:r>
+                        <a:rPr lang="en-US" altLang="zh-TW" dirty="0"/>
+                        <a:t>+</a:t>
+                      </a:r>
+                      <a:r>
+                        <a:rPr lang="en-US" altLang="zh-TW" sz="1800" kern="1200" dirty="0">
+                          <a:solidFill>
+                            <a:schemeClr val="tx1"/>
+                          </a:solidFill>
+                          <a:effectLst/>
+                          <a:latin typeface="+mn-lt"/>
+                          <a:ea typeface="+mn-ea"/>
+                          <a:cs typeface="+mn-cs"/>
+                        </a:rPr>
+                        <a:t>eat();</a:t>
+                      </a:r>
+                    </a:p>
+                    <a:p>
+                      <a:pPr marL="0" marR="0" lvl="0" indent="0" algn="l" defTabSz="914400" rtl="0" eaLnBrk="1" fontAlgn="auto" latinLnBrk="0" hangingPunct="1">
+                        <a:lnSpc>
+                          <a:spcPct val="100000"/>
+                        </a:lnSpc>
+                        <a:spcBef>
+                          <a:spcPts val="0"/>
+                        </a:spcBef>
+                        <a:spcAft>
+                          <a:spcPts val="0"/>
+                        </a:spcAft>
+                        <a:buClrTx/>
+                        <a:buSzTx/>
+                        <a:buFontTx/>
+                        <a:buNone/>
+                        <a:tabLst/>
+                        <a:defRPr/>
+                      </a:pPr>
+                      <a:r>
+                        <a:rPr lang="en-US" altLang="zh-TW" dirty="0"/>
+                        <a:t>+</a:t>
+                      </a:r>
+                      <a:r>
+                        <a:rPr lang="en-US" altLang="zh-TW" sz="1800" kern="1200" dirty="0">
+                          <a:solidFill>
+                            <a:schemeClr val="tx1"/>
+                          </a:solidFill>
+                          <a:effectLst/>
+                          <a:latin typeface="+mn-lt"/>
+                          <a:ea typeface="+mn-ea"/>
+                          <a:cs typeface="+mn-cs"/>
+                        </a:rPr>
+                        <a:t>sleep();</a:t>
+                      </a:r>
+                    </a:p>
+                    <a:p>
+                      <a:endParaRPr lang="zh-TW" altLang="en-US" dirty="0"/>
+                    </a:p>
+                  </a:txBody>
+                  <a:tcPr/>
+                </a:tc>
+                <a:extLst>
+                  <a:ext uri="{0D108BD9-81ED-4DB2-BD59-A6C34878D82A}">
+                    <a16:rowId xmlns:a16="http://schemas.microsoft.com/office/drawing/2014/main" val="2763096056"/>
+                  </a:ext>
+                </a:extLst>
+              </a:tr>
+            </a:tbl>
+          </a:graphicData>
+        </a:graphic>
+      </p:graphicFrame>
+      <p:graphicFrame>
+        <p:nvGraphicFramePr>
+          <p:cNvPr id="7" name="表格 9">
+            <a:extLst>
+              <a:ext uri="{FF2B5EF4-FFF2-40B4-BE49-F238E27FC236}">
+                <a16:creationId xmlns:a16="http://schemas.microsoft.com/office/drawing/2014/main" id="{B67B6DB8-1DC6-EDA3-DEF8-61BA9F676C59}"/>
+              </a:ext>
+            </a:extLst>
+          </p:cNvPr>
+          <p:cNvGraphicFramePr>
+            <a:graphicFrameLocks noGrp="1"/>
+          </p:cNvGraphicFramePr>
+          <p:nvPr>
+            <p:extLst>
+              <p:ext uri="{D42A27DB-BD31-4B8C-83A1-F6EECF244321}">
+                <p14:modId xmlns:p14="http://schemas.microsoft.com/office/powerpoint/2010/main" val="3579490508"/>
+              </p:ext>
+            </p:extLst>
+          </p:nvPr>
+        </p:nvGraphicFramePr>
+        <p:xfrm>
+          <a:off x="8768706" y="4616723"/>
+          <a:ext cx="2443747" cy="1884266"/>
+        </p:xfrm>
+        <a:graphic>
+          <a:graphicData uri="http://schemas.openxmlformats.org/drawingml/2006/table">
+            <a:tbl>
+              <a:tblPr firstRow="1" bandRow="1">
+                <a:tableStyleId>{ED083AE6-46FA-4A59-8FB0-9F97EB10719F}</a:tableStyleId>
+              </a:tblPr>
+              <a:tblGrid>
+                <a:gridCol w="2443747">
+                  <a:extLst>
+                    <a:ext uri="{9D8B030D-6E8A-4147-A177-3AD203B41FA5}">
+                      <a16:colId xmlns:a16="http://schemas.microsoft.com/office/drawing/2014/main" val="868113736"/>
+                    </a:ext>
+                  </a:extLst>
+                </a:gridCol>
+              </a:tblGrid>
+              <a:tr h="484933">
+                <a:tc>
+                  <a:txBody>
+                    <a:bodyPr/>
+                    <a:lstStyle/>
+                    <a:p>
+                      <a:pPr marL="0" marR="0" lvl="0" indent="0" algn="ctr" defTabSz="914400" rtl="0" eaLnBrk="1" fontAlgn="auto" latinLnBrk="0" hangingPunct="1">
+                        <a:lnSpc>
+                          <a:spcPct val="100000"/>
+                        </a:lnSpc>
+                        <a:spcBef>
+                          <a:spcPts val="0"/>
+                        </a:spcBef>
+                        <a:spcAft>
+                          <a:spcPts val="0"/>
+                        </a:spcAft>
+                        <a:buClrTx/>
+                        <a:buSzTx/>
+                        <a:buFontTx/>
+                        <a:buNone/>
+                        <a:tabLst/>
+                        <a:defRPr/>
+                      </a:pPr>
+                      <a:r>
+                        <a:rPr lang="en-US" altLang="zh-TW" sz="1800" b="1" kern="1200" dirty="0">
+                          <a:solidFill>
+                            <a:schemeClr val="tx1"/>
+                          </a:solidFill>
+                          <a:effectLst/>
+                          <a:latin typeface="+mn-lt"/>
+                          <a:ea typeface="+mn-ea"/>
+                          <a:cs typeface="+mn-cs"/>
+                        </a:rPr>
+                        <a:t>Woman</a:t>
+                      </a:r>
+                    </a:p>
+                  </a:txBody>
+                  <a:tcPr/>
+                </a:tc>
+                <a:extLst>
+                  <a:ext uri="{0D108BD9-81ED-4DB2-BD59-A6C34878D82A}">
+                    <a16:rowId xmlns:a16="http://schemas.microsoft.com/office/drawing/2014/main" val="1836207730"/>
+                  </a:ext>
+                </a:extLst>
+              </a:tr>
+              <a:tr h="484933">
+                <a:tc>
+                  <a:txBody>
+                    <a:bodyPr/>
+                    <a:lstStyle/>
+                    <a:p>
+                      <a:endParaRPr lang="zh-TW" altLang="en-US" dirty="0"/>
+                    </a:p>
+                  </a:txBody>
+                  <a:tcPr/>
+                </a:tc>
+                <a:extLst>
+                  <a:ext uri="{0D108BD9-81ED-4DB2-BD59-A6C34878D82A}">
+                    <a16:rowId xmlns:a16="http://schemas.microsoft.com/office/drawing/2014/main" val="3955927769"/>
+                  </a:ext>
+                </a:extLst>
+              </a:tr>
+              <a:tr h="484933">
+                <a:tc>
+                  <a:txBody>
+                    <a:bodyPr/>
+                    <a:lstStyle/>
+                    <a:p>
+                      <a:pPr marL="0" marR="0" lvl="0" indent="0" algn="l" defTabSz="914400" rtl="0" eaLnBrk="1" fontAlgn="auto" latinLnBrk="0" hangingPunct="1">
+                        <a:lnSpc>
+                          <a:spcPct val="100000"/>
+                        </a:lnSpc>
+                        <a:spcBef>
+                          <a:spcPts val="0"/>
+                        </a:spcBef>
+                        <a:spcAft>
+                          <a:spcPts val="0"/>
+                        </a:spcAft>
+                        <a:buClrTx/>
+                        <a:buSzTx/>
+                        <a:buFontTx/>
+                        <a:buNone/>
+                        <a:tabLst/>
+                        <a:defRPr/>
+                      </a:pPr>
+                      <a:r>
+                        <a:rPr lang="en-US" altLang="zh-TW" dirty="0"/>
+                        <a:t>+</a:t>
+                      </a:r>
+                      <a:r>
+                        <a:rPr lang="en-US" altLang="zh-TW" sz="1800" kern="1200" dirty="0">
+                          <a:solidFill>
+                            <a:schemeClr val="tx1"/>
+                          </a:solidFill>
+                          <a:effectLst/>
+                          <a:latin typeface="+mn-lt"/>
+                          <a:ea typeface="+mn-ea"/>
+                          <a:cs typeface="+mn-cs"/>
+                        </a:rPr>
+                        <a:t>eat();</a:t>
+                      </a:r>
+                    </a:p>
+                    <a:p>
+                      <a:pPr marL="0" marR="0" lvl="0" indent="0" algn="l" defTabSz="914400" rtl="0" eaLnBrk="1" fontAlgn="auto" latinLnBrk="0" hangingPunct="1">
+                        <a:lnSpc>
+                          <a:spcPct val="100000"/>
+                        </a:lnSpc>
+                        <a:spcBef>
+                          <a:spcPts val="0"/>
+                        </a:spcBef>
+                        <a:spcAft>
+                          <a:spcPts val="0"/>
+                        </a:spcAft>
+                        <a:buClrTx/>
+                        <a:buSzTx/>
+                        <a:buFontTx/>
+                        <a:buNone/>
+                        <a:tabLst/>
+                        <a:defRPr/>
+                      </a:pPr>
+                      <a:r>
+                        <a:rPr lang="en-US" altLang="zh-TW" dirty="0"/>
+                        <a:t>+</a:t>
+                      </a:r>
+                      <a:r>
+                        <a:rPr lang="en-US" altLang="zh-TW" sz="1800" kern="1200" dirty="0">
+                          <a:solidFill>
+                            <a:schemeClr val="tx1"/>
+                          </a:solidFill>
+                          <a:effectLst/>
+                          <a:latin typeface="+mn-lt"/>
+                          <a:ea typeface="+mn-ea"/>
+                          <a:cs typeface="+mn-cs"/>
+                        </a:rPr>
+                        <a:t>sleep();</a:t>
+                      </a:r>
+                    </a:p>
+                    <a:p>
+                      <a:endParaRPr lang="zh-TW" altLang="en-US" dirty="0"/>
+                    </a:p>
+                  </a:txBody>
+                  <a:tcPr/>
+                </a:tc>
+                <a:extLst>
+                  <a:ext uri="{0D108BD9-81ED-4DB2-BD59-A6C34878D82A}">
+                    <a16:rowId xmlns:a16="http://schemas.microsoft.com/office/drawing/2014/main" val="2763096056"/>
+                  </a:ext>
+                </a:extLst>
+              </a:tr>
+            </a:tbl>
+          </a:graphicData>
+        </a:graphic>
+      </p:graphicFrame>
+      <p:cxnSp>
+        <p:nvCxnSpPr>
+          <p:cNvPr id="8" name="直線單箭頭接點 7">
+            <a:extLst>
+              <a:ext uri="{FF2B5EF4-FFF2-40B4-BE49-F238E27FC236}">
+                <a16:creationId xmlns:a16="http://schemas.microsoft.com/office/drawing/2014/main" id="{6D7FBA06-599F-D745-AE59-C75C757FD0DB}"/>
+              </a:ext>
+            </a:extLst>
+          </p:cNvPr>
+          <p:cNvCxnSpPr>
+            <a:endCxn id="4" idx="2"/>
+          </p:cNvCxnSpPr>
+          <p:nvPr/>
+        </p:nvCxnSpPr>
+        <p:spPr>
+          <a:xfrm flipV="1">
+            <a:off x="2072640" y="3435571"/>
+            <a:ext cx="3952686" cy="1181152"/>
+          </a:xfrm>
+          <a:prstGeom prst="straightConnector1">
+            <a:avLst/>
+          </a:prstGeom>
+          <a:ln>
+            <a:tailEnd type="triangle"/>
+          </a:ln>
+        </p:spPr>
+        <p:style>
+          <a:lnRef idx="1">
+            <a:schemeClr val="dk1"/>
+          </a:lnRef>
+          <a:fillRef idx="0">
+            <a:schemeClr val="dk1"/>
+          </a:fillRef>
+          <a:effectRef idx="0">
+            <a:schemeClr val="dk1"/>
+          </a:effectRef>
+          <a:fontRef idx="minor">
+            <a:schemeClr val="tx1"/>
+          </a:fontRef>
+        </p:style>
+      </p:cxnSp>
+      <p:cxnSp>
+        <p:nvCxnSpPr>
+          <p:cNvPr id="10" name="直線單箭頭接點 9">
+            <a:extLst>
+              <a:ext uri="{FF2B5EF4-FFF2-40B4-BE49-F238E27FC236}">
+                <a16:creationId xmlns:a16="http://schemas.microsoft.com/office/drawing/2014/main" id="{5D9FFCD8-AE0A-4D8F-F129-93C0CD1F49BA}"/>
+              </a:ext>
+            </a:extLst>
+          </p:cNvPr>
+          <p:cNvCxnSpPr>
+            <a:endCxn id="4" idx="2"/>
+          </p:cNvCxnSpPr>
+          <p:nvPr/>
+        </p:nvCxnSpPr>
+        <p:spPr>
+          <a:xfrm flipH="1" flipV="1">
+            <a:off x="6025326" y="3435571"/>
+            <a:ext cx="3893737" cy="1181152"/>
+          </a:xfrm>
+          <a:prstGeom prst="straightConnector1">
+            <a:avLst/>
+          </a:prstGeom>
+          <a:ln>
+            <a:tailEnd type="triangle"/>
+          </a:ln>
+        </p:spPr>
+        <p:style>
+          <a:lnRef idx="1">
+            <a:schemeClr val="dk1"/>
+          </a:lnRef>
+          <a:fillRef idx="0">
+            <a:schemeClr val="dk1"/>
+          </a:fillRef>
+          <a:effectRef idx="0">
+            <a:schemeClr val="dk1"/>
+          </a:effectRef>
+          <a:fontRef idx="minor">
+            <a:schemeClr val="tx1"/>
+          </a:fontRef>
+        </p:style>
+      </p:cxnSp>
+      <p:sp>
+        <p:nvSpPr>
+          <p:cNvPr id="11" name="矩形 10">
+            <a:extLst>
+              <a:ext uri="{FF2B5EF4-FFF2-40B4-BE49-F238E27FC236}">
+                <a16:creationId xmlns:a16="http://schemas.microsoft.com/office/drawing/2014/main" id="{6BCE93C9-9C8C-77BF-8530-3B04624122CA}"/>
+              </a:ext>
+            </a:extLst>
+          </p:cNvPr>
+          <p:cNvSpPr/>
+          <p:nvPr/>
+        </p:nvSpPr>
+        <p:spPr>
+          <a:xfrm>
+            <a:off x="7824765" y="3791000"/>
+            <a:ext cx="799406" cy="461665"/>
+          </a:xfrm>
+          <a:prstGeom prst="rect">
+            <a:avLst/>
+          </a:prstGeom>
+          <a:solidFill>
+            <a:schemeClr val="bg1"/>
+          </a:solidFill>
+          <a:ln>
+            <a:solidFill>
+              <a:schemeClr val="tx1"/>
+            </a:solidFill>
+          </a:ln>
+        </p:spPr>
+        <p:txBody>
+          <a:bodyPr wrap="square" lIns="91440" tIns="45720" rIns="91440" bIns="45720">
+            <a:spAutoFit/>
+          </a:bodyPr>
+          <a:lstStyle/>
+          <a:p>
+            <a:pPr algn="ctr"/>
+            <a:r>
+              <a:rPr lang="zh-TW" altLang="en-US" sz="2400" b="0" cap="none" spc="0" dirty="0">
+                <a:ln w="0"/>
+                <a:solidFill>
+                  <a:schemeClr val="tx1"/>
+                </a:solidFill>
+                <a:effectLst>
+                  <a:outerShdw blurRad="38100" dist="19050" dir="2700000" algn="tl" rotWithShape="0">
+                    <a:schemeClr val="dk1">
+                      <a:alpha val="40000"/>
+                    </a:schemeClr>
+                  </a:outerShdw>
+                </a:effectLst>
+              </a:rPr>
+              <a:t>繼承</a:t>
+            </a:r>
+          </a:p>
+        </p:txBody>
+      </p:sp>
+      <p:sp>
+        <p:nvSpPr>
+          <p:cNvPr id="12" name="文字方塊 11">
+            <a:extLst>
+              <a:ext uri="{FF2B5EF4-FFF2-40B4-BE49-F238E27FC236}">
+                <a16:creationId xmlns:a16="http://schemas.microsoft.com/office/drawing/2014/main" id="{20D4764F-ED91-C15E-CC07-CA5E5D8AF512}"/>
+              </a:ext>
+            </a:extLst>
+          </p:cNvPr>
+          <p:cNvSpPr txBox="1"/>
+          <p:nvPr/>
+        </p:nvSpPr>
+        <p:spPr>
+          <a:xfrm>
+            <a:off x="8624171" y="3883333"/>
+            <a:ext cx="2729629" cy="369332"/>
+          </a:xfrm>
+          <a:prstGeom prst="rect">
+            <a:avLst/>
+          </a:prstGeom>
+          <a:noFill/>
+        </p:spPr>
+        <p:txBody>
+          <a:bodyPr wrap="square" rtlCol="0">
+            <a:spAutoFit/>
+          </a:bodyPr>
+          <a:lstStyle/>
+          <a:p>
+            <a:r>
+              <a:rPr lang="zh-TW" altLang="en-US" dirty="0">
+                <a:highlight>
+                  <a:srgbClr val="FF0000"/>
+                </a:highlight>
+              </a:rPr>
+              <a:t>承接父類別的屬性跟函數</a:t>
+            </a:r>
+          </a:p>
+        </p:txBody>
+      </p:sp>
+      <p:sp>
+        <p:nvSpPr>
+          <p:cNvPr id="14" name="矩形 13">
+            <a:extLst>
+              <a:ext uri="{FF2B5EF4-FFF2-40B4-BE49-F238E27FC236}">
+                <a16:creationId xmlns:a16="http://schemas.microsoft.com/office/drawing/2014/main" id="{ABE588B9-F0C5-FF09-B83C-1BFC95F1CC4D}"/>
+              </a:ext>
+            </a:extLst>
+          </p:cNvPr>
+          <p:cNvSpPr/>
+          <p:nvPr/>
+        </p:nvSpPr>
+        <p:spPr>
+          <a:xfrm>
+            <a:off x="3320251" y="3790999"/>
+            <a:ext cx="799406" cy="461665"/>
+          </a:xfrm>
+          <a:prstGeom prst="rect">
+            <a:avLst/>
+          </a:prstGeom>
+          <a:solidFill>
+            <a:schemeClr val="bg1"/>
+          </a:solidFill>
+          <a:ln>
+            <a:solidFill>
+              <a:schemeClr val="tx1"/>
+            </a:solidFill>
+          </a:ln>
+        </p:spPr>
+        <p:txBody>
+          <a:bodyPr wrap="square" lIns="91440" tIns="45720" rIns="91440" bIns="45720">
+            <a:spAutoFit/>
+          </a:bodyPr>
+          <a:lstStyle/>
+          <a:p>
+            <a:pPr algn="ctr"/>
+            <a:r>
+              <a:rPr lang="zh-TW" altLang="en-US" sz="2400" b="0" cap="none" spc="0" dirty="0">
+                <a:ln w="0"/>
+                <a:solidFill>
+                  <a:schemeClr val="tx1"/>
+                </a:solidFill>
+                <a:effectLst>
+                  <a:outerShdw blurRad="38100" dist="19050" dir="2700000" algn="tl" rotWithShape="0">
+                    <a:schemeClr val="dk1">
+                      <a:alpha val="40000"/>
+                    </a:schemeClr>
+                  </a:outerShdw>
+                </a:effectLst>
+              </a:rPr>
+              <a:t>繼承</a:t>
+            </a:r>
+          </a:p>
+        </p:txBody>
+      </p:sp>
+    </p:spTree>
+    <p:extLst>
+      <p:ext uri="{BB962C8B-B14F-4D97-AF65-F5344CB8AC3E}">
+        <p14:creationId xmlns:p14="http://schemas.microsoft.com/office/powerpoint/2010/main" val="342142274"/>
+      </p:ext>
+    </p:extLst>
+  </p:cSld>
+  <p:clrMapOvr>
+    <a:masterClrMapping/>
+  </p:clrMapOvr>
+</p:sld>
+</file>
+
+<file path=ppt/slides/slide11.xml><?xml version="1.0" encoding="utf-8"?>
+<p:sld xmlns:a="http://schemas.openxmlformats.org/drawingml/2006/main" xmlns:r="http://schemas.openxmlformats.org/officeDocument/2006/relationships" xmlns:p="http://schemas.openxmlformats.org/presentationml/2006/main">
+  <p:cSld>
+    <p:spTree>
+      <p:nvGrpSpPr>
+        <p:cNvPr id="1" name=""/>
+        <p:cNvGrpSpPr/>
+        <p:nvPr/>
+      </p:nvGrpSpPr>
+      <p:grpSpPr>
+        <a:xfrm>
+          <a:off x="0" y="0"/>
+          <a:ext cx="0" cy="0"/>
+          <a:chOff x="0" y="0"/>
+          <a:chExt cx="0" cy="0"/>
+        </a:xfrm>
+      </p:grpSpPr>
+      <p:sp>
+        <p:nvSpPr>
+          <p:cNvPr id="2" name="標題 1">
+            <a:extLst>
+              <a:ext uri="{FF2B5EF4-FFF2-40B4-BE49-F238E27FC236}">
+                <a16:creationId xmlns:a16="http://schemas.microsoft.com/office/drawing/2014/main" id="{217D551A-A568-9D87-6756-6AB2580305B1}"/>
+              </a:ext>
+            </a:extLst>
+          </p:cNvPr>
+          <p:cNvSpPr>
+            <a:spLocks noGrp="1"/>
+          </p:cNvSpPr>
+          <p:nvPr>
+            <p:ph type="title"/>
+          </p:nvPr>
+        </p:nvSpPr>
+        <p:spPr/>
+        <p:txBody>
+          <a:bodyPr/>
+          <a:lstStyle/>
+          <a:p>
+            <a:endParaRPr lang="zh-TW" altLang="en-US"/>
+          </a:p>
+        </p:txBody>
+      </p:sp>
+      <p:sp>
+        <p:nvSpPr>
+          <p:cNvPr id="3" name="內容版面配置區 2">
+            <a:extLst>
+              <a:ext uri="{FF2B5EF4-FFF2-40B4-BE49-F238E27FC236}">
+                <a16:creationId xmlns:a16="http://schemas.microsoft.com/office/drawing/2014/main" id="{BDED339B-F763-4D7A-F902-793814EFB2E6}"/>
+              </a:ext>
+            </a:extLst>
+          </p:cNvPr>
+          <p:cNvSpPr>
+            <a:spLocks noGrp="1"/>
+          </p:cNvSpPr>
+          <p:nvPr>
+            <p:ph idx="1"/>
+          </p:nvPr>
+        </p:nvSpPr>
+        <p:spPr/>
+        <p:txBody>
+          <a:bodyPr/>
+          <a:lstStyle/>
+          <a:p>
+            <a:endParaRPr lang="zh-TW" altLang="en-US"/>
+          </a:p>
+        </p:txBody>
+      </p:sp>
+      <p:pic>
+        <p:nvPicPr>
+          <p:cNvPr id="4" name="圖片 3" descr="一張含有 螢幕擷取畫面, 文字, 字型, 設計 的圖片&#10;&#10;自動產生的描述">
+            <a:extLst>
+              <a:ext uri="{FF2B5EF4-FFF2-40B4-BE49-F238E27FC236}">
+                <a16:creationId xmlns:a16="http://schemas.microsoft.com/office/drawing/2014/main" id="{886609AE-2F57-6130-C012-428E54DC9B63}"/>
+              </a:ext>
+            </a:extLst>
+          </p:cNvPr>
+          <p:cNvPicPr>
+            <a:picLocks noChangeAspect="1"/>
+          </p:cNvPicPr>
+          <p:nvPr/>
+        </p:nvPicPr>
+        <p:blipFill>
+          <a:blip r:embed="rId2">
+            <a:extLst>
+              <a:ext uri="{28A0092B-C50C-407E-A947-70E740481C1C}">
+                <a14:useLocalDpi xmlns:a14="http://schemas.microsoft.com/office/drawing/2010/main" val="0"/>
+              </a:ext>
+            </a:extLst>
+          </a:blip>
+          <a:stretch>
+            <a:fillRect/>
+          </a:stretch>
+        </p:blipFill>
+        <p:spPr>
+          <a:xfrm>
+            <a:off x="5310344" y="185152"/>
+            <a:ext cx="2252891" cy="6368716"/>
+          </a:xfrm>
+          <a:prstGeom prst="rect">
+            <a:avLst/>
+          </a:prstGeom>
+        </p:spPr>
+      </p:pic>
+    </p:spTree>
+    <p:extLst>
+      <p:ext uri="{BB962C8B-B14F-4D97-AF65-F5344CB8AC3E}">
+        <p14:creationId xmlns:p14="http://schemas.microsoft.com/office/powerpoint/2010/main" val="1061925790"/>
+      </p:ext>
+    </p:extLst>
+  </p:cSld>
+  <p:clrMapOvr>
+    <a:masterClrMapping/>
+  </p:clrMapOvr>
+</p:sld>
+</file>
+
 <file path=ppt/slides/slide2.xml><?xml version="1.0" encoding="utf-8"?>
 <p:sld xmlns:a="http://schemas.openxmlformats.org/drawingml/2006/main" xmlns:r="http://schemas.openxmlformats.org/officeDocument/2006/relationships" xmlns:p="http://schemas.openxmlformats.org/presentationml/2006/main">
   <p:cSld>
@@ -7497,6 +8431,358 @@
     <p:extLst>
       <p:ext uri="{BB962C8B-B14F-4D97-AF65-F5344CB8AC3E}">
         <p14:creationId xmlns:p14="http://schemas.microsoft.com/office/powerpoint/2010/main" val="3045181245"/>
+      </p:ext>
+    </p:extLst>
+  </p:cSld>
+  <p:clrMapOvr>
+    <a:masterClrMapping/>
+  </p:clrMapOvr>
+</p:sld>
+</file>
+
+<file path=ppt/slides/slide9.xml><?xml version="1.0" encoding="utf-8"?>
+<p:sld xmlns:a="http://schemas.openxmlformats.org/drawingml/2006/main" xmlns:r="http://schemas.openxmlformats.org/officeDocument/2006/relationships" xmlns:p="http://schemas.openxmlformats.org/presentationml/2006/main">
+  <p:cSld>
+    <p:spTree>
+      <p:nvGrpSpPr>
+        <p:cNvPr id="1" name=""/>
+        <p:cNvGrpSpPr/>
+        <p:nvPr/>
+      </p:nvGrpSpPr>
+      <p:grpSpPr>
+        <a:xfrm>
+          <a:off x="0" y="0"/>
+          <a:ext cx="0" cy="0"/>
+          <a:chOff x="0" y="0"/>
+          <a:chExt cx="0" cy="0"/>
+        </a:xfrm>
+      </p:grpSpPr>
+      <p:sp>
+        <p:nvSpPr>
+          <p:cNvPr id="3" name="內容版面配置區 2">
+            <a:extLst>
+              <a:ext uri="{FF2B5EF4-FFF2-40B4-BE49-F238E27FC236}">
+                <a16:creationId xmlns:a16="http://schemas.microsoft.com/office/drawing/2014/main" id="{1D9D894F-6A20-E04B-9B92-C0789435D5F6}"/>
+              </a:ext>
+            </a:extLst>
+          </p:cNvPr>
+          <p:cNvSpPr>
+            <a:spLocks noGrp="1"/>
+          </p:cNvSpPr>
+          <p:nvPr>
+            <p:ph idx="1"/>
+          </p:nvPr>
+        </p:nvSpPr>
+        <p:spPr>
+          <a:xfrm>
+            <a:off x="98377" y="165598"/>
+            <a:ext cx="11995245" cy="6526804"/>
+          </a:xfrm>
+        </p:spPr>
+        <p:txBody>
+          <a:bodyPr/>
+          <a:lstStyle/>
+          <a:p>
+            <a:r>
+              <a:rPr lang="zh-TW" altLang="en-US" dirty="0"/>
+              <a:t>學習目標</a:t>
+            </a:r>
+            <a:r>
+              <a:rPr lang="en-US" altLang="zh-TW" dirty="0"/>
+              <a:t>: </a:t>
+            </a:r>
+            <a:r>
+              <a:rPr lang="zh-TW" altLang="en-US" dirty="0"/>
+              <a:t>多型 繼承 </a:t>
+            </a:r>
+            <a:r>
+              <a:rPr lang="en-US" altLang="zh-TW" dirty="0" err="1"/>
+              <a:t>ArrayList</a:t>
+            </a:r>
+            <a:endParaRPr lang="en-US" altLang="zh-TW" dirty="0"/>
+          </a:p>
+          <a:p>
+            <a:r>
+              <a:rPr lang="en-US" altLang="zh-TW" dirty="0"/>
+              <a:t>--</a:t>
+            </a:r>
+            <a:r>
+              <a:rPr lang="zh-TW" altLang="en-US" dirty="0"/>
+              <a:t>多型</a:t>
+            </a:r>
+            <a:r>
+              <a:rPr lang="en-US" altLang="zh-TW" dirty="0"/>
+              <a:t>--</a:t>
+            </a:r>
+          </a:p>
+          <a:p>
+            <a:r>
+              <a:rPr lang="zh-TW" altLang="en-US" dirty="0"/>
+              <a:t>撰寫一個 </a:t>
+            </a:r>
+            <a:r>
+              <a:rPr lang="en-US" altLang="zh-TW" dirty="0"/>
+              <a:t>Human </a:t>
+            </a:r>
+            <a:r>
+              <a:rPr lang="zh-TW" altLang="en-US" dirty="0"/>
+              <a:t>類別 代表人</a:t>
+            </a:r>
+          </a:p>
+          <a:p>
+            <a:pPr lvl="1"/>
+            <a:r>
+              <a:rPr lang="zh-TW" altLang="en-US" dirty="0"/>
+              <a:t>在這裡我們有兩個衍伸類別 </a:t>
+            </a:r>
+            <a:r>
+              <a:rPr lang="en-US" altLang="zh-TW" dirty="0"/>
+              <a:t>Man </a:t>
+            </a:r>
+            <a:r>
+              <a:rPr lang="zh-TW" altLang="en-US" dirty="0"/>
+              <a:t>與 </a:t>
+            </a:r>
+            <a:r>
+              <a:rPr lang="en-US" altLang="zh-TW" dirty="0"/>
+              <a:t>Woman</a:t>
+            </a:r>
+          </a:p>
+          <a:p>
+            <a:pPr lvl="1"/>
+            <a:r>
+              <a:rPr lang="zh-TW" altLang="en-US" dirty="0"/>
+              <a:t>他們用不同的規則活著：</a:t>
+            </a:r>
+          </a:p>
+          <a:p>
+            <a:pPr lvl="1"/>
+            <a:r>
+              <a:rPr lang="en-US" altLang="zh-TW" dirty="0"/>
+              <a:t>Man : </a:t>
+            </a:r>
+            <a:r>
+              <a:rPr lang="zh-TW" altLang="en-US" dirty="0"/>
+              <a:t>吃飯時 印出</a:t>
+            </a:r>
+            <a:r>
+              <a:rPr lang="en-US" altLang="zh-TW" dirty="0"/>
+              <a:t>"</a:t>
+            </a:r>
+            <a:r>
+              <a:rPr lang="zh-TW" altLang="en-US" dirty="0"/>
+              <a:t>好好吃</a:t>
+            </a:r>
+            <a:r>
+              <a:rPr lang="en-US" altLang="zh-TW" dirty="0"/>
+              <a:t>" </a:t>
+            </a:r>
+            <a:r>
+              <a:rPr lang="zh-TW" altLang="en-US" dirty="0"/>
+              <a:t>睡覺時 印出</a:t>
+            </a:r>
+            <a:r>
+              <a:rPr lang="en-US" altLang="zh-TW" dirty="0"/>
+              <a:t>"zzz"</a:t>
+            </a:r>
+          </a:p>
+          <a:p>
+            <a:pPr lvl="1"/>
+            <a:r>
+              <a:rPr lang="en-US" altLang="zh-TW" dirty="0"/>
+              <a:t>Woman: </a:t>
+            </a:r>
+            <a:r>
+              <a:rPr lang="zh-TW" altLang="en-US" dirty="0"/>
+              <a:t>吃飯時 印出</a:t>
+            </a:r>
+            <a:r>
+              <a:rPr lang="en-US" altLang="zh-TW" dirty="0"/>
+              <a:t>"</a:t>
+            </a:r>
+            <a:r>
+              <a:rPr lang="en-US" altLang="zh-TW" dirty="0" err="1"/>
+              <a:t>Orzz</a:t>
+            </a:r>
+            <a:r>
+              <a:rPr lang="en-US" altLang="zh-TW" dirty="0"/>
+              <a:t>" </a:t>
+            </a:r>
+            <a:r>
+              <a:rPr lang="zh-TW" altLang="en-US" dirty="0"/>
+              <a:t>睡覺時 印出</a:t>
+            </a:r>
+            <a:r>
+              <a:rPr lang="en-US" altLang="zh-TW" dirty="0"/>
+              <a:t>":)“</a:t>
+            </a:r>
+          </a:p>
+          <a:p>
+            <a:pPr lvl="1"/>
+            <a:r>
+              <a:rPr lang="en-US" altLang="zh-TW" dirty="0"/>
+              <a:t>(</a:t>
+            </a:r>
+            <a:r>
+              <a:rPr lang="zh-TW" altLang="en-US" dirty="0"/>
+              <a:t>印出代表用</a:t>
+            </a:r>
+            <a:r>
+              <a:rPr lang="en-US" altLang="zh-TW" dirty="0" err="1"/>
+              <a:t>System.our.println</a:t>
+            </a:r>
+            <a:r>
+              <a:rPr lang="en-US" altLang="zh-TW" dirty="0"/>
+              <a:t>(...))</a:t>
+            </a:r>
+          </a:p>
+          <a:p>
+            <a:r>
+              <a:rPr lang="zh-TW" altLang="en-US" dirty="0"/>
+              <a:t>使用者會輸入一個字串 代表 男人與女人 的順序 </a:t>
+            </a:r>
+            <a:r>
+              <a:rPr lang="en-US" altLang="zh-TW" dirty="0"/>
+              <a:t>( b -&gt; </a:t>
+            </a:r>
+            <a:r>
+              <a:rPr lang="zh-TW" altLang="en-US" dirty="0"/>
+              <a:t>男 </a:t>
+            </a:r>
+            <a:r>
+              <a:rPr lang="en-US" altLang="zh-TW" dirty="0"/>
+              <a:t>g -&gt; </a:t>
+            </a:r>
+            <a:r>
+              <a:rPr lang="zh-TW" altLang="en-US" dirty="0"/>
+              <a:t>女 大小寫皆可</a:t>
+            </a:r>
+            <a:r>
+              <a:rPr lang="en-US" altLang="zh-TW" dirty="0"/>
+              <a:t>)</a:t>
+            </a:r>
+          </a:p>
+          <a:p>
+            <a:r>
+              <a:rPr lang="zh-TW" altLang="en-US" dirty="0"/>
+              <a:t>像是</a:t>
+            </a:r>
+            <a:r>
+              <a:rPr lang="en-US" altLang="zh-TW" dirty="0"/>
+              <a:t>: </a:t>
+            </a:r>
+            <a:r>
+              <a:rPr lang="en-US" altLang="zh-TW" dirty="0" err="1"/>
+              <a:t>bgGGBgb</a:t>
+            </a:r>
+            <a:r>
+              <a:rPr lang="en-US" altLang="zh-TW" dirty="0"/>
+              <a:t> </a:t>
+            </a:r>
+            <a:r>
+              <a:rPr lang="zh-TW" altLang="en-US" dirty="0"/>
+              <a:t>代表 男人有</a:t>
+            </a:r>
+            <a:r>
+              <a:rPr lang="en-US" altLang="zh-TW" dirty="0"/>
+              <a:t>3</a:t>
+            </a:r>
+            <a:r>
+              <a:rPr lang="zh-TW" altLang="en-US" dirty="0"/>
+              <a:t>位 女人有</a:t>
+            </a:r>
+            <a:r>
+              <a:rPr lang="en-US" altLang="zh-TW" dirty="0"/>
+              <a:t>4</a:t>
+            </a:r>
+            <a:r>
+              <a:rPr lang="zh-TW" altLang="en-US" dirty="0"/>
+              <a:t>位 照這個順序排列 </a:t>
+            </a:r>
+            <a:r>
+              <a:rPr lang="en-US" altLang="zh-TW" dirty="0"/>
+              <a:t>(</a:t>
+            </a:r>
+            <a:r>
+              <a:rPr lang="zh-TW" altLang="en-US" dirty="0"/>
+              <a:t>左到右</a:t>
+            </a:r>
+            <a:r>
+              <a:rPr lang="en-US" altLang="zh-TW" dirty="0"/>
+              <a:t>)</a:t>
+            </a:r>
+          </a:p>
+          <a:p>
+            <a:r>
+              <a:rPr lang="zh-TW" altLang="en-US" dirty="0"/>
+              <a:t>需使用多型</a:t>
+            </a:r>
+          </a:p>
+          <a:p>
+            <a:endParaRPr lang="zh-TW" altLang="en-US" dirty="0"/>
+          </a:p>
+          <a:p>
+            <a:endParaRPr lang="en-US" altLang="zh-TW" dirty="0"/>
+          </a:p>
+          <a:p>
+            <a:endParaRPr lang="en-US" altLang="zh-TW" dirty="0"/>
+          </a:p>
+          <a:p>
+            <a:pPr lvl="1"/>
+            <a:endParaRPr lang="en-US" altLang="zh-TW" dirty="0"/>
+          </a:p>
+          <a:p>
+            <a:pPr lvl="1"/>
+            <a:endParaRPr lang="en-US" altLang="zh-TW" dirty="0"/>
+          </a:p>
+          <a:p>
+            <a:endParaRPr lang="en-US" altLang="zh-TW" dirty="0"/>
+          </a:p>
+          <a:p>
+            <a:endParaRPr lang="zh-TW" altLang="en-US" dirty="0"/>
+          </a:p>
+        </p:txBody>
+      </p:sp>
+      <p:pic>
+        <p:nvPicPr>
+          <p:cNvPr id="5" name="圖片 4" descr="一張含有 螢幕擷取畫面, 文字, 字型, 設計 的圖片&#10;&#10;自動產生的描述">
+            <a:extLst>
+              <a:ext uri="{FF2B5EF4-FFF2-40B4-BE49-F238E27FC236}">
+                <a16:creationId xmlns:a16="http://schemas.microsoft.com/office/drawing/2014/main" id="{F17805CE-9D73-0317-B7FD-C60941796911}"/>
+              </a:ext>
+            </a:extLst>
+          </p:cNvPr>
+          <p:cNvPicPr>
+            <a:picLocks noChangeAspect="1"/>
+          </p:cNvPicPr>
+          <p:nvPr/>
+        </p:nvPicPr>
+        <p:blipFill>
+          <a:blip r:embed="rId2">
+            <a:extLst>
+              <a:ext uri="{28A0092B-C50C-407E-A947-70E740481C1C}">
+                <a14:useLocalDpi xmlns:a14="http://schemas.microsoft.com/office/drawing/2010/main" val="0"/>
+              </a:ext>
+            </a:extLst>
+          </a:blip>
+          <a:stretch>
+            <a:fillRect/>
+          </a:stretch>
+        </p:blipFill>
+        <p:spPr>
+          <a:xfrm>
+            <a:off x="11053418" y="0"/>
+            <a:ext cx="866896" cy="4486901"/>
+          </a:xfrm>
+          <a:prstGeom prst="rect">
+            <a:avLst/>
+          </a:prstGeom>
+        </p:spPr>
+      </p:pic>
+    </p:spTree>
+    <p:extLst>
+      <p:ext uri="{BB962C8B-B14F-4D97-AF65-F5344CB8AC3E}">
+        <p14:creationId xmlns:p14="http://schemas.microsoft.com/office/powerpoint/2010/main" val="1335026439"/>
       </p:ext>
     </p:extLst>
   </p:cSld>
